--- a/ProgrammingMB.pptx
+++ b/ProgrammingMB.pptx
@@ -1151,7 +1151,7 @@
           <a:p>
             <a:fld id="{2F09888F-BA9C-4D6F-A4EF-C2140F0FB5B5}" type="datetimeFigureOut">
               <a:rPr lang="en-US" smtClean="0"/>
-              <a:t>3/11/2020</a:t>
+              <a:t>3/25/2020</a:t>
             </a:fld>
             <a:endParaRPr lang="en-US"/>
           </a:p>
@@ -2521,7 +2521,7 @@
           <a:noFill/>
           <a:extLst>
             <a:ext uri="{909E8E84-426E-40dd-AFC4-6F175D3DCCD1}">
-              <a14:hiddenFill xmlns="" xmlns:a14="http://schemas.microsoft.com/office/drawing/2010/main">
+              <a14:hiddenFill xmlns:a14="http://schemas.microsoft.com/office/drawing/2010/main" xmlns="">
                 <a:solidFill>
                   <a:srgbClr val="FFFFFF"/>
                 </a:solidFill>
@@ -2580,7 +2580,7 @@
             </a:ln>
             <a:extLst>
               <a:ext uri="{91240B29-F687-4f45-9708-019B960494DF}">
-                <a14:hiddenLine xmlns="" xmlns:a14="http://schemas.microsoft.com/office/drawing/2010/main" w="9525">
+                <a14:hiddenLine xmlns:a14="http://schemas.microsoft.com/office/drawing/2010/main" xmlns="" w="9525">
                   <a:solidFill>
                     <a:srgbClr val="000000"/>
                   </a:solidFill>
@@ -2670,7 +2670,7 @@
             </a:ln>
             <a:extLst>
               <a:ext uri="{91240B29-F687-4f45-9708-019B960494DF}">
-                <a14:hiddenLine xmlns="" xmlns:a14="http://schemas.microsoft.com/office/drawing/2010/main" w="9525">
+                <a14:hiddenLine xmlns:a14="http://schemas.microsoft.com/office/drawing/2010/main" xmlns="" w="9525">
                   <a:solidFill>
                     <a:srgbClr val="000000"/>
                   </a:solidFill>
@@ -2760,7 +2760,7 @@
             </a:ln>
             <a:extLst>
               <a:ext uri="{91240B29-F687-4f45-9708-019B960494DF}">
-                <a14:hiddenLine xmlns="" xmlns:a14="http://schemas.microsoft.com/office/drawing/2010/main" w="9525">
+                <a14:hiddenLine xmlns:a14="http://schemas.microsoft.com/office/drawing/2010/main" xmlns="" w="9525">
                   <a:solidFill>
                     <a:srgbClr val="000000"/>
                   </a:solidFill>
@@ -2794,7 +2794,7 @@
             </a:ln>
             <a:extLst>
               <a:ext uri="{91240B29-F687-4f45-9708-019B960494DF}">
-                <a14:hiddenLine xmlns="" xmlns:a14="http://schemas.microsoft.com/office/drawing/2010/main" w="9525">
+                <a14:hiddenLine xmlns:a14="http://schemas.microsoft.com/office/drawing/2010/main" xmlns="" w="9525">
                   <a:solidFill>
                     <a:srgbClr val="000000"/>
                   </a:solidFill>
@@ -2884,7 +2884,7 @@
             </a:ln>
             <a:extLst>
               <a:ext uri="{91240B29-F687-4f45-9708-019B960494DF}">
-                <a14:hiddenLine xmlns="" xmlns:a14="http://schemas.microsoft.com/office/drawing/2010/main" w="9525">
+                <a14:hiddenLine xmlns:a14="http://schemas.microsoft.com/office/drawing/2010/main" xmlns="" w="9525">
                   <a:solidFill>
                     <a:srgbClr val="000000"/>
                   </a:solidFill>
@@ -2946,7 +2946,7 @@
             </a:ln>
             <a:extLst>
               <a:ext uri="{91240B29-F687-4f45-9708-019B960494DF}">
-                <a14:hiddenLine xmlns="" xmlns:a14="http://schemas.microsoft.com/office/drawing/2010/main" w="9525">
+                <a14:hiddenLine xmlns:a14="http://schemas.microsoft.com/office/drawing/2010/main" xmlns="" w="9525">
                   <a:solidFill>
                     <a:srgbClr val="000000"/>
                   </a:solidFill>
@@ -3008,7 +3008,7 @@
             </a:ln>
             <a:extLst>
               <a:ext uri="{91240B29-F687-4f45-9708-019B960494DF}">
-                <a14:hiddenLine xmlns="" xmlns:a14="http://schemas.microsoft.com/office/drawing/2010/main" w="9525">
+                <a14:hiddenLine xmlns:a14="http://schemas.microsoft.com/office/drawing/2010/main" xmlns="" w="9525">
                   <a:solidFill>
                     <a:srgbClr val="000000"/>
                   </a:solidFill>
@@ -3098,7 +3098,7 @@
             </a:ln>
             <a:extLst>
               <a:ext uri="{91240B29-F687-4f45-9708-019B960494DF}">
-                <a14:hiddenLine xmlns="" xmlns:a14="http://schemas.microsoft.com/office/drawing/2010/main" w="9525">
+                <a14:hiddenLine xmlns:a14="http://schemas.microsoft.com/office/drawing/2010/main" xmlns="" w="9525">
                   <a:solidFill>
                     <a:srgbClr val="000000"/>
                   </a:solidFill>
@@ -3160,7 +3160,7 @@
             </a:ln>
             <a:extLst>
               <a:ext uri="{91240B29-F687-4f45-9708-019B960494DF}">
-                <a14:hiddenLine xmlns="" xmlns:a14="http://schemas.microsoft.com/office/drawing/2010/main" w="9525">
+                <a14:hiddenLine xmlns:a14="http://schemas.microsoft.com/office/drawing/2010/main" xmlns="" w="9525">
                   <a:solidFill>
                     <a:srgbClr val="000000"/>
                   </a:solidFill>
@@ -3222,7 +3222,7 @@
             </a:ln>
             <a:extLst>
               <a:ext uri="{91240B29-F687-4f45-9708-019B960494DF}">
-                <a14:hiddenLine xmlns="" xmlns:a14="http://schemas.microsoft.com/office/drawing/2010/main" w="9525">
+                <a14:hiddenLine xmlns:a14="http://schemas.microsoft.com/office/drawing/2010/main" xmlns="" w="9525">
                   <a:solidFill>
                     <a:srgbClr val="000000"/>
                   </a:solidFill>
@@ -3312,7 +3312,7 @@
             </a:ln>
             <a:extLst>
               <a:ext uri="{91240B29-F687-4f45-9708-019B960494DF}">
-                <a14:hiddenLine xmlns="" xmlns:a14="http://schemas.microsoft.com/office/drawing/2010/main" w="9525">
+                <a14:hiddenLine xmlns:a14="http://schemas.microsoft.com/office/drawing/2010/main" xmlns="" w="9525">
                   <a:solidFill>
                     <a:srgbClr val="000000"/>
                   </a:solidFill>
@@ -3402,7 +3402,7 @@
             </a:ln>
             <a:extLst>
               <a:ext uri="{91240B29-F687-4f45-9708-019B960494DF}">
-                <a14:hiddenLine xmlns="" xmlns:a14="http://schemas.microsoft.com/office/drawing/2010/main" w="9525">
+                <a14:hiddenLine xmlns:a14="http://schemas.microsoft.com/office/drawing/2010/main" xmlns="" w="9525">
                   <a:solidFill>
                     <a:srgbClr val="000000"/>
                   </a:solidFill>
@@ -3464,7 +3464,7 @@
             </a:ln>
             <a:extLst>
               <a:ext uri="{91240B29-F687-4f45-9708-019B960494DF}">
-                <a14:hiddenLine xmlns="" xmlns:a14="http://schemas.microsoft.com/office/drawing/2010/main" w="9525">
+                <a14:hiddenLine xmlns:a14="http://schemas.microsoft.com/office/drawing/2010/main" xmlns="" w="9525">
                   <a:solidFill>
                     <a:srgbClr val="000000"/>
                   </a:solidFill>
@@ -3574,7 +3574,7 @@
             </a:ln>
             <a:extLst>
               <a:ext uri="{91240B29-F687-4f45-9708-019B960494DF}">
-                <a14:hiddenLine xmlns="" xmlns:a14="http://schemas.microsoft.com/office/drawing/2010/main" w="9525">
+                <a14:hiddenLine xmlns:a14="http://schemas.microsoft.com/office/drawing/2010/main" xmlns="" w="9525">
                   <a:solidFill>
                     <a:srgbClr val="000000"/>
                   </a:solidFill>
@@ -3636,7 +3636,7 @@
             </a:ln>
             <a:extLst>
               <a:ext uri="{91240B29-F687-4f45-9708-019B960494DF}">
-                <a14:hiddenLine xmlns="" xmlns:a14="http://schemas.microsoft.com/office/drawing/2010/main" w="9525">
+                <a14:hiddenLine xmlns:a14="http://schemas.microsoft.com/office/drawing/2010/main" xmlns="" w="9525">
                   <a:solidFill>
                     <a:srgbClr val="000000"/>
                   </a:solidFill>
@@ -3726,7 +3726,7 @@
             </a:ln>
             <a:extLst>
               <a:ext uri="{91240B29-F687-4f45-9708-019B960494DF}">
-                <a14:hiddenLine xmlns="" xmlns:a14="http://schemas.microsoft.com/office/drawing/2010/main" w="9525">
+                <a14:hiddenLine xmlns:a14="http://schemas.microsoft.com/office/drawing/2010/main" xmlns="" w="9525">
                   <a:solidFill>
                     <a:srgbClr val="000000"/>
                   </a:solidFill>
@@ -3816,7 +3816,7 @@
             </a:ln>
             <a:extLst>
               <a:ext uri="{91240B29-F687-4f45-9708-019B960494DF}">
-                <a14:hiddenLine xmlns="" xmlns:a14="http://schemas.microsoft.com/office/drawing/2010/main" w="9525">
+                <a14:hiddenLine xmlns:a14="http://schemas.microsoft.com/office/drawing/2010/main" xmlns="" w="9525">
                   <a:solidFill>
                     <a:srgbClr val="000000"/>
                   </a:solidFill>
@@ -3878,7 +3878,7 @@
             </a:ln>
             <a:extLst>
               <a:ext uri="{91240B29-F687-4f45-9708-019B960494DF}">
-                <a14:hiddenLine xmlns="" xmlns:a14="http://schemas.microsoft.com/office/drawing/2010/main" w="9525">
+                <a14:hiddenLine xmlns:a14="http://schemas.microsoft.com/office/drawing/2010/main" xmlns="" w="9525">
                   <a:solidFill>
                     <a:srgbClr val="000000"/>
                   </a:solidFill>
@@ -3968,7 +3968,7 @@
             </a:ln>
             <a:extLst>
               <a:ext uri="{91240B29-F687-4f45-9708-019B960494DF}">
-                <a14:hiddenLine xmlns="" xmlns:a14="http://schemas.microsoft.com/office/drawing/2010/main" w="9525">
+                <a14:hiddenLine xmlns:a14="http://schemas.microsoft.com/office/drawing/2010/main" xmlns="" w="9525">
                   <a:solidFill>
                     <a:srgbClr val="000000"/>
                   </a:solidFill>
@@ -4058,7 +4058,7 @@
             </a:ln>
             <a:extLst>
               <a:ext uri="{91240B29-F687-4f45-9708-019B960494DF}">
-                <a14:hiddenLine xmlns="" xmlns:a14="http://schemas.microsoft.com/office/drawing/2010/main" w="9525">
+                <a14:hiddenLine xmlns:a14="http://schemas.microsoft.com/office/drawing/2010/main" xmlns="" w="9525">
                   <a:solidFill>
                     <a:srgbClr val="000000"/>
                   </a:solidFill>
@@ -4114,7 +4114,7 @@
             </a:ln>
             <a:extLst>
               <a:ext uri="{91240B29-F687-4f45-9708-019B960494DF}">
-                <a14:hiddenLine xmlns="" xmlns:a14="http://schemas.microsoft.com/office/drawing/2010/main" w="9525">
+                <a14:hiddenLine xmlns:a14="http://schemas.microsoft.com/office/drawing/2010/main" xmlns="" w="9525">
                   <a:solidFill>
                     <a:srgbClr val="000000"/>
                   </a:solidFill>
@@ -4204,7 +4204,7 @@
             </a:ln>
             <a:extLst>
               <a:ext uri="{91240B29-F687-4f45-9708-019B960494DF}">
-                <a14:hiddenLine xmlns="" xmlns:a14="http://schemas.microsoft.com/office/drawing/2010/main" w="9525">
+                <a14:hiddenLine xmlns:a14="http://schemas.microsoft.com/office/drawing/2010/main" xmlns="" w="9525">
                   <a:solidFill>
                     <a:srgbClr val="000000"/>
                   </a:solidFill>
@@ -4260,7 +4260,7 @@
             </a:ln>
             <a:extLst>
               <a:ext uri="{91240B29-F687-4f45-9708-019B960494DF}">
-                <a14:hiddenLine xmlns="" xmlns:a14="http://schemas.microsoft.com/office/drawing/2010/main" w="9525">
+                <a14:hiddenLine xmlns:a14="http://schemas.microsoft.com/office/drawing/2010/main" xmlns="" w="9525">
                   <a:solidFill>
                     <a:srgbClr val="000000"/>
                   </a:solidFill>
@@ -4350,7 +4350,7 @@
             </a:ln>
             <a:extLst>
               <a:ext uri="{91240B29-F687-4f45-9708-019B960494DF}">
-                <a14:hiddenLine xmlns="" xmlns:a14="http://schemas.microsoft.com/office/drawing/2010/main" w="9525">
+                <a14:hiddenLine xmlns:a14="http://schemas.microsoft.com/office/drawing/2010/main" xmlns="" w="9525">
                   <a:solidFill>
                     <a:srgbClr val="000000"/>
                   </a:solidFill>
@@ -4418,7 +4418,7 @@
             </a:ln>
             <a:extLst>
               <a:ext uri="{91240B29-F687-4f45-9708-019B960494DF}">
-                <a14:hiddenLine xmlns="" xmlns:a14="http://schemas.microsoft.com/office/drawing/2010/main" w="9525">
+                <a14:hiddenLine xmlns:a14="http://schemas.microsoft.com/office/drawing/2010/main" xmlns="" w="9525">
                   <a:solidFill>
                     <a:srgbClr val="000000"/>
                   </a:solidFill>
@@ -4508,7 +4508,7 @@
             </a:ln>
             <a:extLst>
               <a:ext uri="{91240B29-F687-4f45-9708-019B960494DF}">
-                <a14:hiddenLine xmlns="" xmlns:a14="http://schemas.microsoft.com/office/drawing/2010/main" w="9525">
+                <a14:hiddenLine xmlns:a14="http://schemas.microsoft.com/office/drawing/2010/main" xmlns="" w="9525">
                   <a:solidFill>
                     <a:srgbClr val="000000"/>
                   </a:solidFill>
@@ -4576,7 +4576,7 @@
             </a:ln>
             <a:extLst>
               <a:ext uri="{91240B29-F687-4f45-9708-019B960494DF}">
-                <a14:hiddenLine xmlns="" xmlns:a14="http://schemas.microsoft.com/office/drawing/2010/main" w="9525">
+                <a14:hiddenLine xmlns:a14="http://schemas.microsoft.com/office/drawing/2010/main" xmlns="" w="9525">
                   <a:solidFill>
                     <a:srgbClr val="000000"/>
                   </a:solidFill>
@@ -4666,7 +4666,7 @@
             </a:ln>
             <a:extLst>
               <a:ext uri="{91240B29-F687-4f45-9708-019B960494DF}">
-                <a14:hiddenLine xmlns="" xmlns:a14="http://schemas.microsoft.com/office/drawing/2010/main" w="9525">
+                <a14:hiddenLine xmlns:a14="http://schemas.microsoft.com/office/drawing/2010/main" xmlns="" w="9525">
                   <a:solidFill>
                     <a:srgbClr val="000000"/>
                   </a:solidFill>
@@ -4700,7 +4700,7 @@
             </a:ln>
             <a:extLst>
               <a:ext uri="{91240B29-F687-4f45-9708-019B960494DF}">
-                <a14:hiddenLine xmlns="" xmlns:a14="http://schemas.microsoft.com/office/drawing/2010/main" w="9525">
+                <a14:hiddenLine xmlns:a14="http://schemas.microsoft.com/office/drawing/2010/main" xmlns="" w="9525">
                   <a:solidFill>
                     <a:srgbClr val="000000"/>
                   </a:solidFill>
@@ -4790,7 +4790,7 @@
             </a:ln>
             <a:extLst>
               <a:ext uri="{91240B29-F687-4f45-9708-019B960494DF}">
-                <a14:hiddenLine xmlns="" xmlns:a14="http://schemas.microsoft.com/office/drawing/2010/main" w="9525">
+                <a14:hiddenLine xmlns:a14="http://schemas.microsoft.com/office/drawing/2010/main" xmlns="" w="9525">
                   <a:solidFill>
                     <a:srgbClr val="000000"/>
                   </a:solidFill>
@@ -4852,7 +4852,7 @@
             </a:ln>
             <a:extLst>
               <a:ext uri="{91240B29-F687-4f45-9708-019B960494DF}">
-                <a14:hiddenLine xmlns="" xmlns:a14="http://schemas.microsoft.com/office/drawing/2010/main" w="9525">
+                <a14:hiddenLine xmlns:a14="http://schemas.microsoft.com/office/drawing/2010/main" xmlns="" w="9525">
                   <a:solidFill>
                     <a:srgbClr val="000000"/>
                   </a:solidFill>
@@ -4914,7 +4914,7 @@
             </a:ln>
             <a:extLst>
               <a:ext uri="{91240B29-F687-4f45-9708-019B960494DF}">
-                <a14:hiddenLine xmlns="" xmlns:a14="http://schemas.microsoft.com/office/drawing/2010/main" w="9525">
+                <a14:hiddenLine xmlns:a14="http://schemas.microsoft.com/office/drawing/2010/main" xmlns="" w="9525">
                   <a:solidFill>
                     <a:srgbClr val="000000"/>
                   </a:solidFill>
@@ -5004,7 +5004,7 @@
             </a:ln>
             <a:extLst>
               <a:ext uri="{91240B29-F687-4f45-9708-019B960494DF}">
-                <a14:hiddenLine xmlns="" xmlns:a14="http://schemas.microsoft.com/office/drawing/2010/main" w="9525">
+                <a14:hiddenLine xmlns:a14="http://schemas.microsoft.com/office/drawing/2010/main" xmlns="" w="9525">
                   <a:solidFill>
                     <a:srgbClr val="000000"/>
                   </a:solidFill>
@@ -5072,7 +5072,7 @@
             </a:ln>
             <a:extLst>
               <a:ext uri="{91240B29-F687-4f45-9708-019B960494DF}">
-                <a14:hiddenLine xmlns="" xmlns:a14="http://schemas.microsoft.com/office/drawing/2010/main" w="9525">
+                <a14:hiddenLine xmlns:a14="http://schemas.microsoft.com/office/drawing/2010/main" xmlns="" w="9525">
                   <a:solidFill>
                     <a:srgbClr val="000000"/>
                   </a:solidFill>
@@ -5134,7 +5134,7 @@
             </a:ln>
             <a:extLst>
               <a:ext uri="{91240B29-F687-4f45-9708-019B960494DF}">
-                <a14:hiddenLine xmlns="" xmlns:a14="http://schemas.microsoft.com/office/drawing/2010/main" w="9525">
+                <a14:hiddenLine xmlns:a14="http://schemas.microsoft.com/office/drawing/2010/main" xmlns="" w="9525">
                   <a:solidFill>
                     <a:srgbClr val="000000"/>
                   </a:solidFill>
@@ -5224,7 +5224,7 @@
             </a:ln>
             <a:extLst>
               <a:ext uri="{91240B29-F687-4f45-9708-019B960494DF}">
-                <a14:hiddenLine xmlns="" xmlns:a14="http://schemas.microsoft.com/office/drawing/2010/main" w="9525">
+                <a14:hiddenLine xmlns:a14="http://schemas.microsoft.com/office/drawing/2010/main" xmlns="" w="9525">
                   <a:solidFill>
                     <a:srgbClr val="000000"/>
                   </a:solidFill>
@@ -5286,7 +5286,7 @@
             </a:ln>
             <a:extLst>
               <a:ext uri="{91240B29-F687-4f45-9708-019B960494DF}">
-                <a14:hiddenLine xmlns="" xmlns:a14="http://schemas.microsoft.com/office/drawing/2010/main" w="9525">
+                <a14:hiddenLine xmlns:a14="http://schemas.microsoft.com/office/drawing/2010/main" xmlns="" w="9525">
                   <a:solidFill>
                     <a:srgbClr val="000000"/>
                   </a:solidFill>
@@ -5376,7 +5376,7 @@
             </a:ln>
             <a:extLst>
               <a:ext uri="{91240B29-F687-4f45-9708-019B960494DF}">
-                <a14:hiddenLine xmlns="" xmlns:a14="http://schemas.microsoft.com/office/drawing/2010/main" w="9525">
+                <a14:hiddenLine xmlns:a14="http://schemas.microsoft.com/office/drawing/2010/main" xmlns="" w="9525">
                   <a:solidFill>
                     <a:srgbClr val="000000"/>
                   </a:solidFill>
@@ -5438,7 +5438,7 @@
             </a:ln>
             <a:extLst>
               <a:ext uri="{91240B29-F687-4f45-9708-019B960494DF}">
-                <a14:hiddenLine xmlns="" xmlns:a14="http://schemas.microsoft.com/office/drawing/2010/main" w="9525">
+                <a14:hiddenLine xmlns:a14="http://schemas.microsoft.com/office/drawing/2010/main" xmlns="" w="9525">
                   <a:solidFill>
                     <a:srgbClr val="000000"/>
                   </a:solidFill>
@@ -5528,7 +5528,7 @@
             </a:ln>
             <a:extLst>
               <a:ext uri="{91240B29-F687-4f45-9708-019B960494DF}">
-                <a14:hiddenLine xmlns="" xmlns:a14="http://schemas.microsoft.com/office/drawing/2010/main" w="9525">
+                <a14:hiddenLine xmlns:a14="http://schemas.microsoft.com/office/drawing/2010/main" xmlns="" w="9525">
                   <a:solidFill>
                     <a:srgbClr val="000000"/>
                   </a:solidFill>
@@ -5562,7 +5562,7 @@
             </a:ln>
             <a:extLst>
               <a:ext uri="{91240B29-F687-4f45-9708-019B960494DF}">
-                <a14:hiddenLine xmlns="" xmlns:a14="http://schemas.microsoft.com/office/drawing/2010/main" w="9525">
+                <a14:hiddenLine xmlns:a14="http://schemas.microsoft.com/office/drawing/2010/main" xmlns="" w="9525">
                   <a:solidFill>
                     <a:srgbClr val="000000"/>
                   </a:solidFill>
@@ -5627,7 +5627,7 @@
             </a:ln>
             <a:extLst>
               <a:ext uri="{91240B29-F687-4f45-9708-019B960494DF}">
-                <a14:hiddenLine xmlns="" xmlns:a14="http://schemas.microsoft.com/office/drawing/2010/main" w="9525">
+                <a14:hiddenLine xmlns:a14="http://schemas.microsoft.com/office/drawing/2010/main" xmlns="" w="9525">
                   <a:solidFill>
                     <a:srgbClr val="000000"/>
                   </a:solidFill>
@@ -5717,7 +5717,7 @@
             </a:ln>
             <a:extLst>
               <a:ext uri="{91240B29-F687-4f45-9708-019B960494DF}">
-                <a14:hiddenLine xmlns="" xmlns:a14="http://schemas.microsoft.com/office/drawing/2010/main" w="9525">
+                <a14:hiddenLine xmlns:a14="http://schemas.microsoft.com/office/drawing/2010/main" xmlns="" w="9525">
                   <a:solidFill>
                     <a:srgbClr val="000000"/>
                   </a:solidFill>
@@ -5779,7 +5779,7 @@
             </a:ln>
             <a:extLst>
               <a:ext uri="{91240B29-F687-4f45-9708-019B960494DF}">
-                <a14:hiddenLine xmlns="" xmlns:a14="http://schemas.microsoft.com/office/drawing/2010/main" w="9525">
+                <a14:hiddenLine xmlns:a14="http://schemas.microsoft.com/office/drawing/2010/main" xmlns="" w="9525">
                   <a:solidFill>
                     <a:srgbClr val="000000"/>
                   </a:solidFill>
@@ -5869,7 +5869,7 @@
             </a:ln>
             <a:extLst>
               <a:ext uri="{91240B29-F687-4f45-9708-019B960494DF}">
-                <a14:hiddenLine xmlns="" xmlns:a14="http://schemas.microsoft.com/office/drawing/2010/main" w="9525">
+                <a14:hiddenLine xmlns:a14="http://schemas.microsoft.com/office/drawing/2010/main" xmlns="" w="9525">
                   <a:solidFill>
                     <a:srgbClr val="000000"/>
                   </a:solidFill>
@@ -5959,7 +5959,7 @@
             </a:ln>
             <a:extLst>
               <a:ext uri="{91240B29-F687-4f45-9708-019B960494DF}">
-                <a14:hiddenLine xmlns="" xmlns:a14="http://schemas.microsoft.com/office/drawing/2010/main" w="9525">
+                <a14:hiddenLine xmlns:a14="http://schemas.microsoft.com/office/drawing/2010/main" xmlns="" w="9525">
                   <a:solidFill>
                     <a:srgbClr val="000000"/>
                   </a:solidFill>
@@ -6024,7 +6024,7 @@
             </a:ln>
             <a:extLst>
               <a:ext uri="{91240B29-F687-4f45-9708-019B960494DF}">
-                <a14:hiddenLine xmlns="" xmlns:a14="http://schemas.microsoft.com/office/drawing/2010/main" w="9525">
+                <a14:hiddenLine xmlns:a14="http://schemas.microsoft.com/office/drawing/2010/main" xmlns="" w="9525">
                   <a:solidFill>
                     <a:srgbClr val="000000"/>
                   </a:solidFill>
@@ -6086,7 +6086,7 @@
             </a:ln>
             <a:extLst>
               <a:ext uri="{91240B29-F687-4f45-9708-019B960494DF}">
-                <a14:hiddenLine xmlns="" xmlns:a14="http://schemas.microsoft.com/office/drawing/2010/main" w="9525">
+                <a14:hiddenLine xmlns:a14="http://schemas.microsoft.com/office/drawing/2010/main" xmlns="" w="9525">
                   <a:solidFill>
                     <a:srgbClr val="000000"/>
                   </a:solidFill>
@@ -6176,7 +6176,7 @@
             </a:ln>
             <a:extLst>
               <a:ext uri="{91240B29-F687-4f45-9708-019B960494DF}">
-                <a14:hiddenLine xmlns="" xmlns:a14="http://schemas.microsoft.com/office/drawing/2010/main" w="9525">
+                <a14:hiddenLine xmlns:a14="http://schemas.microsoft.com/office/drawing/2010/main" xmlns="" w="9525">
                   <a:solidFill>
                     <a:srgbClr val="000000"/>
                   </a:solidFill>
@@ -6266,7 +6266,7 @@
             </a:ln>
             <a:extLst>
               <a:ext uri="{91240B29-F687-4f45-9708-019B960494DF}">
-                <a14:hiddenLine xmlns="" xmlns:a14="http://schemas.microsoft.com/office/drawing/2010/main" w="9525">
+                <a14:hiddenLine xmlns:a14="http://schemas.microsoft.com/office/drawing/2010/main" xmlns="" w="9525">
                   <a:solidFill>
                     <a:srgbClr val="000000"/>
                   </a:solidFill>
@@ -6328,7 +6328,7 @@
             </a:ln>
             <a:extLst>
               <a:ext uri="{91240B29-F687-4f45-9708-019B960494DF}">
-                <a14:hiddenLine xmlns="" xmlns:a14="http://schemas.microsoft.com/office/drawing/2010/main" w="9525">
+                <a14:hiddenLine xmlns:a14="http://schemas.microsoft.com/office/drawing/2010/main" xmlns="" w="9525">
                   <a:solidFill>
                     <a:srgbClr val="000000"/>
                   </a:solidFill>
@@ -6448,7 +6448,7 @@
             </a:ln>
             <a:extLst>
               <a:ext uri="{91240B29-F687-4f45-9708-019B960494DF}">
-                <a14:hiddenLine xmlns="" xmlns:a14="http://schemas.microsoft.com/office/drawing/2010/main" w="9525">
+                <a14:hiddenLine xmlns:a14="http://schemas.microsoft.com/office/drawing/2010/main" xmlns="" w="9525">
                   <a:solidFill>
                     <a:srgbClr val="000000"/>
                   </a:solidFill>
@@ -6516,7 +6516,7 @@
             </a:ln>
             <a:extLst>
               <a:ext uri="{91240B29-F687-4f45-9708-019B960494DF}">
-                <a14:hiddenLine xmlns="" xmlns:a14="http://schemas.microsoft.com/office/drawing/2010/main" w="9525">
+                <a14:hiddenLine xmlns:a14="http://schemas.microsoft.com/office/drawing/2010/main" xmlns="" w="9525">
                   <a:solidFill>
                     <a:srgbClr val="000000"/>
                   </a:solidFill>
@@ -6606,7 +6606,7 @@
             </a:ln>
             <a:extLst>
               <a:ext uri="{91240B29-F687-4f45-9708-019B960494DF}">
-                <a14:hiddenLine xmlns="" xmlns:a14="http://schemas.microsoft.com/office/drawing/2010/main" w="9525">
+                <a14:hiddenLine xmlns:a14="http://schemas.microsoft.com/office/drawing/2010/main" xmlns="" w="9525">
                   <a:solidFill>
                     <a:srgbClr val="000000"/>
                   </a:solidFill>
@@ -6746,7 +6746,7 @@
           <a:p>
             <a:fld id="{48A87A34-81AB-432B-8DAE-1953F412C126}" type="datetimeFigureOut">
               <a:rPr lang="en-US" dirty="0"/>
-              <a:t>3/11/2020</a:t>
+              <a:t>3/25/2020</a:t>
             </a:fld>
             <a:endParaRPr lang="en-US" dirty="0"/>
           </a:p>
@@ -7008,7 +7008,7 @@
           <a:p>
             <a:fld id="{48A87A34-81AB-432B-8DAE-1953F412C126}" type="datetimeFigureOut">
               <a:rPr lang="en-US" dirty="0"/>
-              <a:t>3/11/2020</a:t>
+              <a:t>3/25/2020</a:t>
             </a:fld>
             <a:endParaRPr lang="en-US" dirty="0"/>
           </a:p>
@@ -7199,7 +7199,7 @@
           <a:p>
             <a:fld id="{48A87A34-81AB-432B-8DAE-1953F412C126}" type="datetimeFigureOut">
               <a:rPr lang="en-US" dirty="0"/>
-              <a:t>3/11/2020</a:t>
+              <a:t>3/25/2020</a:t>
             </a:fld>
             <a:endParaRPr lang="en-US" dirty="0"/>
           </a:p>
@@ -7457,7 +7457,7 @@
           <a:p>
             <a:fld id="{48A87A34-81AB-432B-8DAE-1953F412C126}" type="datetimeFigureOut">
               <a:rPr lang="en-US" dirty="0"/>
-              <a:t>3/11/2020</a:t>
+              <a:t>3/25/2020</a:t>
             </a:fld>
             <a:endParaRPr lang="en-US" dirty="0"/>
           </a:p>
@@ -7886,7 +7886,7 @@
           <a:p>
             <a:fld id="{48A87A34-81AB-432B-8DAE-1953F412C126}" type="datetimeFigureOut">
               <a:rPr lang="en-US" dirty="0"/>
-              <a:t>3/11/2020</a:t>
+              <a:t>3/25/2020</a:t>
             </a:fld>
             <a:endParaRPr lang="en-US" dirty="0"/>
           </a:p>
@@ -8427,7 +8427,7 @@
           <a:p>
             <a:fld id="{48A87A34-81AB-432B-8DAE-1953F412C126}" type="datetimeFigureOut">
               <a:rPr lang="en-US" dirty="0"/>
-              <a:t>3/11/2020</a:t>
+              <a:t>3/25/2020</a:t>
             </a:fld>
             <a:endParaRPr lang="en-US" dirty="0"/>
           </a:p>
@@ -9142,7 +9142,7 @@
           <a:p>
             <a:fld id="{48A87A34-81AB-432B-8DAE-1953F412C126}" type="datetimeFigureOut">
               <a:rPr lang="en-US" dirty="0"/>
-              <a:t>3/11/2020</a:t>
+              <a:t>3/25/2020</a:t>
             </a:fld>
             <a:endParaRPr lang="en-US" dirty="0"/>
           </a:p>
@@ -9307,7 +9307,7 @@
           <a:p>
             <a:fld id="{48A87A34-81AB-432B-8DAE-1953F412C126}" type="datetimeFigureOut">
               <a:rPr lang="en-US" dirty="0"/>
-              <a:t>3/11/2020</a:t>
+              <a:t>3/25/2020</a:t>
             </a:fld>
             <a:endParaRPr lang="en-US" dirty="0"/>
           </a:p>
@@ -9482,7 +9482,7 @@
           <a:p>
             <a:fld id="{48A87A34-81AB-432B-8DAE-1953F412C126}" type="datetimeFigureOut">
               <a:rPr lang="en-US" dirty="0"/>
-              <a:t>3/11/2020</a:t>
+              <a:t>3/25/2020</a:t>
             </a:fld>
             <a:endParaRPr lang="en-US" dirty="0"/>
           </a:p>
@@ -9647,7 +9647,7 @@
           <a:p>
             <a:fld id="{48A87A34-81AB-432B-8DAE-1953F412C126}" type="datetimeFigureOut">
               <a:rPr lang="en-US" dirty="0"/>
-              <a:t>3/11/2020</a:t>
+              <a:t>3/25/2020</a:t>
             </a:fld>
             <a:endParaRPr lang="en-US" dirty="0"/>
           </a:p>
@@ -9892,7 +9892,7 @@
           <a:p>
             <a:fld id="{48A87A34-81AB-432B-8DAE-1953F412C126}" type="datetimeFigureOut">
               <a:rPr lang="en-US" dirty="0"/>
-              <a:t>3/11/2020</a:t>
+              <a:t>3/25/2020</a:t>
             </a:fld>
             <a:endParaRPr lang="en-US" dirty="0"/>
           </a:p>
@@ -10119,7 +10119,7 @@
           <a:p>
             <a:fld id="{48A87A34-81AB-432B-8DAE-1953F412C126}" type="datetimeFigureOut">
               <a:rPr lang="en-US" dirty="0"/>
-              <a:t>3/11/2020</a:t>
+              <a:t>3/25/2020</a:t>
             </a:fld>
             <a:endParaRPr lang="en-US" dirty="0"/>
           </a:p>
@@ -10495,7 +10495,7 @@
           <a:p>
             <a:fld id="{48A87A34-81AB-432B-8DAE-1953F412C126}" type="datetimeFigureOut">
               <a:rPr lang="en-US" dirty="0"/>
-              <a:t>3/11/2020</a:t>
+              <a:t>3/25/2020</a:t>
             </a:fld>
             <a:endParaRPr lang="en-US" dirty="0"/>
           </a:p>
@@ -10608,7 +10608,7 @@
           <a:p>
             <a:fld id="{48A87A34-81AB-432B-8DAE-1953F412C126}" type="datetimeFigureOut">
               <a:rPr lang="en-US" dirty="0"/>
-              <a:t>3/11/2020</a:t>
+              <a:t>3/25/2020</a:t>
             </a:fld>
             <a:endParaRPr lang="en-US" dirty="0"/>
           </a:p>
@@ -10698,7 +10698,7 @@
           <a:p>
             <a:fld id="{48A87A34-81AB-432B-8DAE-1953F412C126}" type="datetimeFigureOut">
               <a:rPr lang="en-US" dirty="0"/>
-              <a:t>3/11/2020</a:t>
+              <a:t>3/25/2020</a:t>
             </a:fld>
             <a:endParaRPr lang="en-US" dirty="0"/>
           </a:p>
@@ -10942,7 +10942,7 @@
           <a:p>
             <a:fld id="{48A87A34-81AB-432B-8DAE-1953F412C126}" type="datetimeFigureOut">
               <a:rPr lang="en-US" dirty="0"/>
-              <a:t>3/11/2020</a:t>
+              <a:t>3/25/2020</a:t>
             </a:fld>
             <a:endParaRPr lang="en-US" dirty="0"/>
           </a:p>
@@ -11217,7 +11217,7 @@
           <a:p>
             <a:fld id="{48A87A34-81AB-432B-8DAE-1953F412C126}" type="datetimeFigureOut">
               <a:rPr lang="en-US" dirty="0"/>
-              <a:t>3/11/2020</a:t>
+              <a:t>3/25/2020</a:t>
             </a:fld>
             <a:endParaRPr lang="en-US" dirty="0"/>
           </a:p>
@@ -11335,7 +11335,7 @@
           <a:noFill/>
           <a:extLst>
             <a:ext uri="{909E8E84-426E-40dd-AFC4-6F175D3DCCD1}">
-              <a14:hiddenFill xmlns="" xmlns:a14="http://schemas.microsoft.com/office/drawing/2010/main">
+              <a14:hiddenFill xmlns:a14="http://schemas.microsoft.com/office/drawing/2010/main" xmlns="">
                 <a:solidFill>
                   <a:srgbClr val="FFFFFF"/>
                 </a:solidFill>
@@ -11409,7 +11409,7 @@
               </a:ln>
               <a:extLst>
                 <a:ext uri="{91240B29-F687-4f45-9708-019B960494DF}">
-                  <a14:hiddenLine xmlns="" xmlns:a14="http://schemas.microsoft.com/office/drawing/2010/main" w="9525">
+                  <a14:hiddenLine xmlns:a14="http://schemas.microsoft.com/office/drawing/2010/main" xmlns="" w="9525">
                     <a:solidFill>
                       <a:srgbClr val="000000"/>
                     </a:solidFill>
@@ -11499,7 +11499,7 @@
               </a:ln>
               <a:extLst>
                 <a:ext uri="{91240B29-F687-4f45-9708-019B960494DF}">
-                  <a14:hiddenLine xmlns="" xmlns:a14="http://schemas.microsoft.com/office/drawing/2010/main" w="9525">
+                  <a14:hiddenLine xmlns:a14="http://schemas.microsoft.com/office/drawing/2010/main" xmlns="" w="9525">
                     <a:solidFill>
                       <a:srgbClr val="000000"/>
                     </a:solidFill>
@@ -11589,7 +11589,7 @@
               </a:ln>
               <a:extLst>
                 <a:ext uri="{91240B29-F687-4f45-9708-019B960494DF}">
-                  <a14:hiddenLine xmlns="" xmlns:a14="http://schemas.microsoft.com/office/drawing/2010/main" w="9525">
+                  <a14:hiddenLine xmlns:a14="http://schemas.microsoft.com/office/drawing/2010/main" xmlns="" w="9525">
                     <a:solidFill>
                       <a:srgbClr val="000000"/>
                     </a:solidFill>
@@ -11651,7 +11651,7 @@
               </a:ln>
               <a:extLst>
                 <a:ext uri="{91240B29-F687-4f45-9708-019B960494DF}">
-                  <a14:hiddenLine xmlns="" xmlns:a14="http://schemas.microsoft.com/office/drawing/2010/main" w="9525">
+                  <a14:hiddenLine xmlns:a14="http://schemas.microsoft.com/office/drawing/2010/main" xmlns="" w="9525">
                     <a:solidFill>
                       <a:srgbClr val="000000"/>
                     </a:solidFill>
@@ -11741,7 +11741,7 @@
               </a:ln>
               <a:extLst>
                 <a:ext uri="{91240B29-F687-4f45-9708-019B960494DF}">
-                  <a14:hiddenLine xmlns="" xmlns:a14="http://schemas.microsoft.com/office/drawing/2010/main" w="9525">
+                  <a14:hiddenLine xmlns:a14="http://schemas.microsoft.com/office/drawing/2010/main" xmlns="" w="9525">
                     <a:solidFill>
                       <a:srgbClr val="000000"/>
                     </a:solidFill>
@@ -11803,7 +11803,7 @@
               </a:ln>
               <a:extLst>
                 <a:ext uri="{91240B29-F687-4f45-9708-019B960494DF}">
-                  <a14:hiddenLine xmlns="" xmlns:a14="http://schemas.microsoft.com/office/drawing/2010/main" w="9525">
+                  <a14:hiddenLine xmlns:a14="http://schemas.microsoft.com/office/drawing/2010/main" xmlns="" w="9525">
                     <a:solidFill>
                       <a:srgbClr val="000000"/>
                     </a:solidFill>
@@ -11865,7 +11865,7 @@
               </a:ln>
               <a:extLst>
                 <a:ext uri="{91240B29-F687-4f45-9708-019B960494DF}">
-                  <a14:hiddenLine xmlns="" xmlns:a14="http://schemas.microsoft.com/office/drawing/2010/main" w="9525">
+                  <a14:hiddenLine xmlns:a14="http://schemas.microsoft.com/office/drawing/2010/main" xmlns="" w="9525">
                     <a:solidFill>
                       <a:srgbClr val="000000"/>
                     </a:solidFill>
@@ -11955,7 +11955,7 @@
               </a:ln>
               <a:extLst>
                 <a:ext uri="{91240B29-F687-4f45-9708-019B960494DF}">
-                  <a14:hiddenLine xmlns="" xmlns:a14="http://schemas.microsoft.com/office/drawing/2010/main" w="9525">
+                  <a14:hiddenLine xmlns:a14="http://schemas.microsoft.com/office/drawing/2010/main" xmlns="" w="9525">
                     <a:solidFill>
                       <a:srgbClr val="000000"/>
                     </a:solidFill>
@@ -12045,7 +12045,7 @@
               </a:ln>
               <a:extLst>
                 <a:ext uri="{91240B29-F687-4f45-9708-019B960494DF}">
-                  <a14:hiddenLine xmlns="" xmlns:a14="http://schemas.microsoft.com/office/drawing/2010/main" w="9525">
+                  <a14:hiddenLine xmlns:a14="http://schemas.microsoft.com/office/drawing/2010/main" xmlns="" w="9525">
                     <a:solidFill>
                       <a:srgbClr val="000000"/>
                     </a:solidFill>
@@ -12107,7 +12107,7 @@
               </a:ln>
               <a:extLst>
                 <a:ext uri="{91240B29-F687-4f45-9708-019B960494DF}">
-                  <a14:hiddenLine xmlns="" xmlns:a14="http://schemas.microsoft.com/office/drawing/2010/main" w="9525">
+                  <a14:hiddenLine xmlns:a14="http://schemas.microsoft.com/office/drawing/2010/main" xmlns="" w="9525">
                     <a:solidFill>
                       <a:srgbClr val="000000"/>
                     </a:solidFill>
@@ -12217,7 +12217,7 @@
               </a:ln>
               <a:extLst>
                 <a:ext uri="{91240B29-F687-4f45-9708-019B960494DF}">
-                  <a14:hiddenLine xmlns="" xmlns:a14="http://schemas.microsoft.com/office/drawing/2010/main" w="9525">
+                  <a14:hiddenLine xmlns:a14="http://schemas.microsoft.com/office/drawing/2010/main" xmlns="" w="9525">
                     <a:solidFill>
                       <a:srgbClr val="000000"/>
                     </a:solidFill>
@@ -12301,7 +12301,7 @@
               </a:ln>
               <a:extLst>
                 <a:ext uri="{91240B29-F687-4f45-9708-019B960494DF}">
-                  <a14:hiddenLine xmlns="" xmlns:a14="http://schemas.microsoft.com/office/drawing/2010/main" w="9525">
+                  <a14:hiddenLine xmlns:a14="http://schemas.microsoft.com/office/drawing/2010/main" xmlns="" w="9525">
                     <a:solidFill>
                       <a:srgbClr val="000000"/>
                     </a:solidFill>
@@ -12363,7 +12363,7 @@
               </a:ln>
               <a:extLst>
                 <a:ext uri="{91240B29-F687-4f45-9708-019B960494DF}">
-                  <a14:hiddenLine xmlns="" xmlns:a14="http://schemas.microsoft.com/office/drawing/2010/main" w="9525">
+                  <a14:hiddenLine xmlns:a14="http://schemas.microsoft.com/office/drawing/2010/main" xmlns="" w="9525">
                     <a:solidFill>
                       <a:srgbClr val="000000"/>
                     </a:solidFill>
@@ -12425,7 +12425,7 @@
               </a:ln>
               <a:extLst>
                 <a:ext uri="{91240B29-F687-4f45-9708-019B960494DF}">
-                  <a14:hiddenLine xmlns="" xmlns:a14="http://schemas.microsoft.com/office/drawing/2010/main" w="9525">
+                  <a14:hiddenLine xmlns:a14="http://schemas.microsoft.com/office/drawing/2010/main" xmlns="" w="9525">
                     <a:solidFill>
                       <a:srgbClr val="000000"/>
                     </a:solidFill>
@@ -12515,7 +12515,7 @@
               </a:ln>
               <a:extLst>
                 <a:ext uri="{91240B29-F687-4f45-9708-019B960494DF}">
-                  <a14:hiddenLine xmlns="" xmlns:a14="http://schemas.microsoft.com/office/drawing/2010/main" w="9525">
+                  <a14:hiddenLine xmlns:a14="http://schemas.microsoft.com/office/drawing/2010/main" xmlns="" w="9525">
                     <a:solidFill>
                       <a:srgbClr val="000000"/>
                     </a:solidFill>
@@ -12549,7 +12549,7 @@
               </a:ln>
               <a:extLst>
                 <a:ext uri="{91240B29-F687-4f45-9708-019B960494DF}">
-                  <a14:hiddenLine xmlns="" xmlns:a14="http://schemas.microsoft.com/office/drawing/2010/main" w="9525">
+                  <a14:hiddenLine xmlns:a14="http://schemas.microsoft.com/office/drawing/2010/main" xmlns="" w="9525">
                     <a:solidFill>
                       <a:srgbClr val="000000"/>
                     </a:solidFill>
@@ -12614,7 +12614,7 @@
               </a:ln>
               <a:extLst>
                 <a:ext uri="{91240B29-F687-4f45-9708-019B960494DF}">
-                  <a14:hiddenLine xmlns="" xmlns:a14="http://schemas.microsoft.com/office/drawing/2010/main" w="9525">
+                  <a14:hiddenLine xmlns:a14="http://schemas.microsoft.com/office/drawing/2010/main" xmlns="" w="9525">
                     <a:solidFill>
                       <a:srgbClr val="000000"/>
                     </a:solidFill>
@@ -12704,7 +12704,7 @@
               </a:ln>
               <a:extLst>
                 <a:ext uri="{91240B29-F687-4f45-9708-019B960494DF}">
-                  <a14:hiddenLine xmlns="" xmlns:a14="http://schemas.microsoft.com/office/drawing/2010/main" w="9525">
+                  <a14:hiddenLine xmlns:a14="http://schemas.microsoft.com/office/drawing/2010/main" xmlns="" w="9525">
                     <a:solidFill>
                       <a:srgbClr val="000000"/>
                     </a:solidFill>
@@ -12766,7 +12766,7 @@
               </a:ln>
               <a:extLst>
                 <a:ext uri="{91240B29-F687-4f45-9708-019B960494DF}">
-                  <a14:hiddenLine xmlns="" xmlns:a14="http://schemas.microsoft.com/office/drawing/2010/main" w="9525">
+                  <a14:hiddenLine xmlns:a14="http://schemas.microsoft.com/office/drawing/2010/main" xmlns="" w="9525">
                     <a:solidFill>
                       <a:srgbClr val="000000"/>
                     </a:solidFill>
@@ -12856,7 +12856,7 @@
               </a:ln>
               <a:extLst>
                 <a:ext uri="{91240B29-F687-4f45-9708-019B960494DF}">
-                  <a14:hiddenLine xmlns="" xmlns:a14="http://schemas.microsoft.com/office/drawing/2010/main" w="9525">
+                  <a14:hiddenLine xmlns:a14="http://schemas.microsoft.com/office/drawing/2010/main" xmlns="" w="9525">
                     <a:solidFill>
                       <a:srgbClr val="000000"/>
                     </a:solidFill>
@@ -12921,7 +12921,7 @@
               </a:ln>
               <a:extLst>
                 <a:ext uri="{91240B29-F687-4f45-9708-019B960494DF}">
-                  <a14:hiddenLine xmlns="" xmlns:a14="http://schemas.microsoft.com/office/drawing/2010/main" w="9525">
+                  <a14:hiddenLine xmlns:a14="http://schemas.microsoft.com/office/drawing/2010/main" xmlns="" w="9525">
                     <a:solidFill>
                       <a:srgbClr val="000000"/>
                     </a:solidFill>
@@ -12983,7 +12983,7 @@
               </a:ln>
               <a:extLst>
                 <a:ext uri="{91240B29-F687-4f45-9708-019B960494DF}">
-                  <a14:hiddenLine xmlns="" xmlns:a14="http://schemas.microsoft.com/office/drawing/2010/main" w="9525">
+                  <a14:hiddenLine xmlns:a14="http://schemas.microsoft.com/office/drawing/2010/main" xmlns="" w="9525">
                     <a:solidFill>
                       <a:srgbClr val="000000"/>
                     </a:solidFill>
@@ -13073,7 +13073,7 @@
               </a:ln>
               <a:extLst>
                 <a:ext uri="{91240B29-F687-4f45-9708-019B960494DF}">
-                  <a14:hiddenLine xmlns="" xmlns:a14="http://schemas.microsoft.com/office/drawing/2010/main" w="9525">
+                  <a14:hiddenLine xmlns:a14="http://schemas.microsoft.com/office/drawing/2010/main" xmlns="" w="9525">
                     <a:solidFill>
                       <a:srgbClr val="000000"/>
                     </a:solidFill>
@@ -13163,7 +13163,7 @@
               </a:ln>
               <a:extLst>
                 <a:ext uri="{91240B29-F687-4f45-9708-019B960494DF}">
-                  <a14:hiddenLine xmlns="" xmlns:a14="http://schemas.microsoft.com/office/drawing/2010/main" w="9525">
+                  <a14:hiddenLine xmlns:a14="http://schemas.microsoft.com/office/drawing/2010/main" xmlns="" w="9525">
                     <a:solidFill>
                       <a:srgbClr val="000000"/>
                     </a:solidFill>
@@ -13228,7 +13228,7 @@
               </a:ln>
               <a:extLst>
                 <a:ext uri="{91240B29-F687-4f45-9708-019B960494DF}">
-                  <a14:hiddenLine xmlns="" xmlns:a14="http://schemas.microsoft.com/office/drawing/2010/main" w="9525">
+                  <a14:hiddenLine xmlns:a14="http://schemas.microsoft.com/office/drawing/2010/main" xmlns="" w="9525">
                     <a:solidFill>
                       <a:srgbClr val="000000"/>
                     </a:solidFill>
@@ -13348,7 +13348,7 @@
               </a:ln>
               <a:extLst>
                 <a:ext uri="{91240B29-F687-4f45-9708-019B960494DF}">
-                  <a14:hiddenLine xmlns="" xmlns:a14="http://schemas.microsoft.com/office/drawing/2010/main" w="9525">
+                  <a14:hiddenLine xmlns:a14="http://schemas.microsoft.com/office/drawing/2010/main" xmlns="" w="9525">
                     <a:solidFill>
                       <a:srgbClr val="000000"/>
                     </a:solidFill>
@@ -13429,7 +13429,7 @@
               </a:ln>
               <a:extLst>
                 <a:ext uri="{91240B29-F687-4f45-9708-019B960494DF}">
-                  <a14:hiddenLine xmlns="" xmlns:a14="http://schemas.microsoft.com/office/drawing/2010/main" w="9525">
+                  <a14:hiddenLine xmlns:a14="http://schemas.microsoft.com/office/drawing/2010/main" xmlns="" w="9525">
                     <a:solidFill>
                       <a:srgbClr val="000000"/>
                     </a:solidFill>
@@ -13544,7 +13544,7 @@
               </a:ln>
               <a:extLst>
                 <a:ext uri="{91240B29-F687-4f45-9708-019B960494DF}">
-                  <a14:hiddenLine xmlns="" xmlns:a14="http://schemas.microsoft.com/office/drawing/2010/main" w="9525">
+                  <a14:hiddenLine xmlns:a14="http://schemas.microsoft.com/office/drawing/2010/main" xmlns="" w="9525">
                     <a:solidFill>
                       <a:srgbClr val="000000"/>
                     </a:solidFill>
@@ -13634,7 +13634,7 @@
               </a:ln>
               <a:extLst>
                 <a:ext uri="{91240B29-F687-4f45-9708-019B960494DF}">
-                  <a14:hiddenLine xmlns="" xmlns:a14="http://schemas.microsoft.com/office/drawing/2010/main" w="9525">
+                  <a14:hiddenLine xmlns:a14="http://schemas.microsoft.com/office/drawing/2010/main" xmlns="" w="9525">
                     <a:solidFill>
                       <a:srgbClr val="000000"/>
                     </a:solidFill>
@@ -13699,7 +13699,7 @@
               </a:ln>
               <a:extLst>
                 <a:ext uri="{91240B29-F687-4f45-9708-019B960494DF}">
-                  <a14:hiddenLine xmlns="" xmlns:a14="http://schemas.microsoft.com/office/drawing/2010/main" w="9525">
+                  <a14:hiddenLine xmlns:a14="http://schemas.microsoft.com/office/drawing/2010/main" xmlns="" w="9525">
                     <a:solidFill>
                       <a:srgbClr val="000000"/>
                     </a:solidFill>
@@ -13789,7 +13789,7 @@
               </a:ln>
               <a:extLst>
                 <a:ext uri="{91240B29-F687-4f45-9708-019B960494DF}">
-                  <a14:hiddenLine xmlns="" xmlns:a14="http://schemas.microsoft.com/office/drawing/2010/main" w="9525">
+                  <a14:hiddenLine xmlns:a14="http://schemas.microsoft.com/office/drawing/2010/main" xmlns="" w="9525">
                     <a:solidFill>
                       <a:srgbClr val="000000"/>
                     </a:solidFill>
@@ -13857,7 +13857,7 @@
               </a:ln>
               <a:extLst>
                 <a:ext uri="{91240B29-F687-4f45-9708-019B960494DF}">
-                  <a14:hiddenLine xmlns="" xmlns:a14="http://schemas.microsoft.com/office/drawing/2010/main" w="9525">
+                  <a14:hiddenLine xmlns:a14="http://schemas.microsoft.com/office/drawing/2010/main" xmlns="" w="9525">
                     <a:solidFill>
                       <a:srgbClr val="000000"/>
                     </a:solidFill>
@@ -13947,7 +13947,7 @@
               </a:ln>
               <a:extLst>
                 <a:ext uri="{91240B29-F687-4f45-9708-019B960494DF}">
-                  <a14:hiddenLine xmlns="" xmlns:a14="http://schemas.microsoft.com/office/drawing/2010/main" w="9525">
+                  <a14:hiddenLine xmlns:a14="http://schemas.microsoft.com/office/drawing/2010/main" xmlns="" w="9525">
                     <a:solidFill>
                       <a:srgbClr val="000000"/>
                     </a:solidFill>
@@ -14015,7 +14015,7 @@
               </a:ln>
               <a:extLst>
                 <a:ext uri="{91240B29-F687-4f45-9708-019B960494DF}">
-                  <a14:hiddenLine xmlns="" xmlns:a14="http://schemas.microsoft.com/office/drawing/2010/main" w="9525">
+                  <a14:hiddenLine xmlns:a14="http://schemas.microsoft.com/office/drawing/2010/main" xmlns="" w="9525">
                     <a:solidFill>
                       <a:srgbClr val="000000"/>
                     </a:solidFill>
@@ -14105,7 +14105,7 @@
               </a:ln>
               <a:extLst>
                 <a:ext uri="{91240B29-F687-4f45-9708-019B960494DF}">
-                  <a14:hiddenLine xmlns="" xmlns:a14="http://schemas.microsoft.com/office/drawing/2010/main" w="9525">
+                  <a14:hiddenLine xmlns:a14="http://schemas.microsoft.com/office/drawing/2010/main" xmlns="" w="9525">
                     <a:solidFill>
                       <a:srgbClr val="000000"/>
                     </a:solidFill>
@@ -14139,7 +14139,7 @@
               </a:ln>
               <a:extLst>
                 <a:ext uri="{91240B29-F687-4f45-9708-019B960494DF}">
-                  <a14:hiddenLine xmlns="" xmlns:a14="http://schemas.microsoft.com/office/drawing/2010/main" w="9525">
+                  <a14:hiddenLine xmlns:a14="http://schemas.microsoft.com/office/drawing/2010/main" xmlns="" w="9525">
                     <a:solidFill>
                       <a:srgbClr val="000000"/>
                     </a:solidFill>
@@ -14280,7 +14280,7 @@
             <a:fld id="{48A87A34-81AB-432B-8DAE-1953F412C126}" type="datetimeFigureOut">
               <a:rPr lang="en-US" dirty="0"/>
               <a:pPr/>
-              <a:t>3/11/2020</a:t>
+              <a:t>3/25/2020</a:t>
             </a:fld>
             <a:endParaRPr lang="en-US" dirty="0"/>
           </a:p>
@@ -18996,7 +18996,7 @@
           <a:noFill/>
           <a:extLst>
             <a:ext uri="{909E8E84-426E-40dd-AFC4-6F175D3DCCD1}">
-              <a14:hiddenFill xmlns:p14="http://schemas.microsoft.com/office/powerpoint/2010/main" xmlns:a14="http://schemas.microsoft.com/office/drawing/2010/main" xmlns:a16="http://schemas.microsoft.com/office/drawing/2014/main" xmlns="">
+              <a14:hiddenFill xmlns="" xmlns:a16="http://schemas.microsoft.com/office/drawing/2014/main" xmlns:a14="http://schemas.microsoft.com/office/drawing/2010/main" xmlns:p14="http://schemas.microsoft.com/office/powerpoint/2010/main">
                 <a:solidFill>
                   <a:srgbClr val="FFFFFF"/>
                 </a:solidFill>
@@ -19087,7 +19087,7 @@
             </a:ln>
             <a:extLst>
               <a:ext uri="{91240B29-F687-4f45-9708-019B960494DF}">
-                <a14:hiddenLine xmlns:p14="http://schemas.microsoft.com/office/powerpoint/2010/main" xmlns:a14="http://schemas.microsoft.com/office/drawing/2010/main" xmlns:a16="http://schemas.microsoft.com/office/drawing/2014/main" xmlns="" w="9525">
+                <a14:hiddenLine xmlns="" xmlns:a16="http://schemas.microsoft.com/office/drawing/2014/main" xmlns:a14="http://schemas.microsoft.com/office/drawing/2010/main" xmlns:p14="http://schemas.microsoft.com/office/powerpoint/2010/main" w="9525">
                   <a:solidFill>
                     <a:srgbClr val="000000"/>
                   </a:solidFill>
@@ -19192,7 +19192,7 @@
             </a:ln>
             <a:extLst>
               <a:ext uri="{91240B29-F687-4f45-9708-019B960494DF}">
-                <a14:hiddenLine xmlns:p14="http://schemas.microsoft.com/office/powerpoint/2010/main" xmlns:a14="http://schemas.microsoft.com/office/drawing/2010/main" xmlns:a16="http://schemas.microsoft.com/office/drawing/2014/main" xmlns="" w="9525">
+                <a14:hiddenLine xmlns="" xmlns:a16="http://schemas.microsoft.com/office/drawing/2014/main" xmlns:a14="http://schemas.microsoft.com/office/drawing/2010/main" xmlns:p14="http://schemas.microsoft.com/office/powerpoint/2010/main" w="9525">
                   <a:solidFill>
                     <a:srgbClr val="000000"/>
                   </a:solidFill>
@@ -19297,7 +19297,7 @@
             </a:ln>
             <a:extLst>
               <a:ext uri="{91240B29-F687-4f45-9708-019B960494DF}">
-                <a14:hiddenLine xmlns:p14="http://schemas.microsoft.com/office/powerpoint/2010/main" xmlns:a14="http://schemas.microsoft.com/office/drawing/2010/main" xmlns:a16="http://schemas.microsoft.com/office/drawing/2014/main" xmlns="" w="9525">
+                <a14:hiddenLine xmlns="" xmlns:a16="http://schemas.microsoft.com/office/drawing/2014/main" xmlns:a14="http://schemas.microsoft.com/office/drawing/2010/main" xmlns:p14="http://schemas.microsoft.com/office/powerpoint/2010/main" w="9525">
                   <a:solidFill>
                     <a:srgbClr val="000000"/>
                   </a:solidFill>
@@ -19346,7 +19346,7 @@
             </a:ln>
             <a:extLst>
               <a:ext uri="{91240B29-F687-4f45-9708-019B960494DF}">
-                <a14:hiddenLine xmlns:p14="http://schemas.microsoft.com/office/powerpoint/2010/main" xmlns:a14="http://schemas.microsoft.com/office/drawing/2010/main" xmlns:a16="http://schemas.microsoft.com/office/drawing/2014/main" xmlns="" w="9525">
+                <a14:hiddenLine xmlns="" xmlns:a16="http://schemas.microsoft.com/office/drawing/2014/main" xmlns:a14="http://schemas.microsoft.com/office/drawing/2010/main" xmlns:p14="http://schemas.microsoft.com/office/powerpoint/2010/main" w="9525">
                   <a:solidFill>
                     <a:srgbClr val="000000"/>
                   </a:solidFill>
@@ -19451,7 +19451,7 @@
             </a:ln>
             <a:extLst>
               <a:ext uri="{91240B29-F687-4f45-9708-019B960494DF}">
-                <a14:hiddenLine xmlns:p14="http://schemas.microsoft.com/office/powerpoint/2010/main" xmlns:a14="http://schemas.microsoft.com/office/drawing/2010/main" xmlns:a16="http://schemas.microsoft.com/office/drawing/2014/main" xmlns="" w="9525">
+                <a14:hiddenLine xmlns="" xmlns:a16="http://schemas.microsoft.com/office/drawing/2014/main" xmlns:a14="http://schemas.microsoft.com/office/drawing/2010/main" xmlns:p14="http://schemas.microsoft.com/office/powerpoint/2010/main" w="9525">
                   <a:solidFill>
                     <a:srgbClr val="000000"/>
                   </a:solidFill>
@@ -19528,7 +19528,7 @@
             </a:ln>
             <a:extLst>
               <a:ext uri="{91240B29-F687-4f45-9708-019B960494DF}">
-                <a14:hiddenLine xmlns:p14="http://schemas.microsoft.com/office/powerpoint/2010/main" xmlns:a14="http://schemas.microsoft.com/office/drawing/2010/main" xmlns:a16="http://schemas.microsoft.com/office/drawing/2014/main" xmlns="" w="9525">
+                <a14:hiddenLine xmlns="" xmlns:a16="http://schemas.microsoft.com/office/drawing/2014/main" xmlns:a14="http://schemas.microsoft.com/office/drawing/2010/main" xmlns:p14="http://schemas.microsoft.com/office/powerpoint/2010/main" w="9525">
                   <a:solidFill>
                     <a:srgbClr val="000000"/>
                   </a:solidFill>
@@ -19605,7 +19605,7 @@
             </a:ln>
             <a:extLst>
               <a:ext uri="{91240B29-F687-4f45-9708-019B960494DF}">
-                <a14:hiddenLine xmlns:p14="http://schemas.microsoft.com/office/powerpoint/2010/main" xmlns:a14="http://schemas.microsoft.com/office/drawing/2010/main" xmlns:a16="http://schemas.microsoft.com/office/drawing/2014/main" xmlns="" w="9525">
+                <a14:hiddenLine xmlns="" xmlns:a16="http://schemas.microsoft.com/office/drawing/2014/main" xmlns:a14="http://schemas.microsoft.com/office/drawing/2010/main" xmlns:p14="http://schemas.microsoft.com/office/powerpoint/2010/main" w="9525">
                   <a:solidFill>
                     <a:srgbClr val="000000"/>
                   </a:solidFill>
@@ -19710,7 +19710,7 @@
             </a:ln>
             <a:extLst>
               <a:ext uri="{91240B29-F687-4f45-9708-019B960494DF}">
-                <a14:hiddenLine xmlns:p14="http://schemas.microsoft.com/office/powerpoint/2010/main" xmlns:a14="http://schemas.microsoft.com/office/drawing/2010/main" xmlns:a16="http://schemas.microsoft.com/office/drawing/2014/main" xmlns="" w="9525">
+                <a14:hiddenLine xmlns="" xmlns:a16="http://schemas.microsoft.com/office/drawing/2014/main" xmlns:a14="http://schemas.microsoft.com/office/drawing/2010/main" xmlns:p14="http://schemas.microsoft.com/office/powerpoint/2010/main" w="9525">
                   <a:solidFill>
                     <a:srgbClr val="000000"/>
                   </a:solidFill>
@@ -19787,7 +19787,7 @@
             </a:ln>
             <a:extLst>
               <a:ext uri="{91240B29-F687-4f45-9708-019B960494DF}">
-                <a14:hiddenLine xmlns:p14="http://schemas.microsoft.com/office/powerpoint/2010/main" xmlns:a14="http://schemas.microsoft.com/office/drawing/2010/main" xmlns:a16="http://schemas.microsoft.com/office/drawing/2014/main" xmlns="" w="9525">
+                <a14:hiddenLine xmlns="" xmlns:a16="http://schemas.microsoft.com/office/drawing/2014/main" xmlns:a14="http://schemas.microsoft.com/office/drawing/2010/main" xmlns:p14="http://schemas.microsoft.com/office/powerpoint/2010/main" w="9525">
                   <a:solidFill>
                     <a:srgbClr val="000000"/>
                   </a:solidFill>
@@ -19864,7 +19864,7 @@
             </a:ln>
             <a:extLst>
               <a:ext uri="{91240B29-F687-4f45-9708-019B960494DF}">
-                <a14:hiddenLine xmlns:p14="http://schemas.microsoft.com/office/powerpoint/2010/main" xmlns:a14="http://schemas.microsoft.com/office/drawing/2010/main" xmlns:a16="http://schemas.microsoft.com/office/drawing/2014/main" xmlns="" w="9525">
+                <a14:hiddenLine xmlns="" xmlns:a16="http://schemas.microsoft.com/office/drawing/2014/main" xmlns:a14="http://schemas.microsoft.com/office/drawing/2010/main" xmlns:p14="http://schemas.microsoft.com/office/powerpoint/2010/main" w="9525">
                   <a:solidFill>
                     <a:srgbClr val="000000"/>
                   </a:solidFill>
@@ -19969,7 +19969,7 @@
             </a:ln>
             <a:extLst>
               <a:ext uri="{91240B29-F687-4f45-9708-019B960494DF}">
-                <a14:hiddenLine xmlns:p14="http://schemas.microsoft.com/office/powerpoint/2010/main" xmlns:a14="http://schemas.microsoft.com/office/drawing/2010/main" xmlns:a16="http://schemas.microsoft.com/office/drawing/2014/main" xmlns="" w="9525">
+                <a14:hiddenLine xmlns="" xmlns:a16="http://schemas.microsoft.com/office/drawing/2014/main" xmlns:a14="http://schemas.microsoft.com/office/drawing/2010/main" xmlns:p14="http://schemas.microsoft.com/office/powerpoint/2010/main" w="9525">
                   <a:solidFill>
                     <a:srgbClr val="000000"/>
                   </a:solidFill>
@@ -20074,7 +20074,7 @@
             </a:ln>
             <a:extLst>
               <a:ext uri="{91240B29-F687-4f45-9708-019B960494DF}">
-                <a14:hiddenLine xmlns:p14="http://schemas.microsoft.com/office/powerpoint/2010/main" xmlns:a14="http://schemas.microsoft.com/office/drawing/2010/main" xmlns:a16="http://schemas.microsoft.com/office/drawing/2014/main" xmlns="" w="9525">
+                <a14:hiddenLine xmlns="" xmlns:a16="http://schemas.microsoft.com/office/drawing/2014/main" xmlns:a14="http://schemas.microsoft.com/office/drawing/2010/main" xmlns:p14="http://schemas.microsoft.com/office/powerpoint/2010/main" w="9525">
                   <a:solidFill>
                     <a:srgbClr val="000000"/>
                   </a:solidFill>
@@ -20151,7 +20151,7 @@
             </a:ln>
             <a:extLst>
               <a:ext uri="{91240B29-F687-4f45-9708-019B960494DF}">
-                <a14:hiddenLine xmlns:p14="http://schemas.microsoft.com/office/powerpoint/2010/main" xmlns:a14="http://schemas.microsoft.com/office/drawing/2010/main" xmlns:a16="http://schemas.microsoft.com/office/drawing/2014/main" xmlns="" w="9525">
+                <a14:hiddenLine xmlns="" xmlns:a16="http://schemas.microsoft.com/office/drawing/2014/main" xmlns:a14="http://schemas.microsoft.com/office/drawing/2010/main" xmlns:p14="http://schemas.microsoft.com/office/powerpoint/2010/main" w="9525">
                   <a:solidFill>
                     <a:srgbClr val="000000"/>
                   </a:solidFill>
@@ -20276,7 +20276,7 @@
             </a:ln>
             <a:extLst>
               <a:ext uri="{91240B29-F687-4f45-9708-019B960494DF}">
-                <a14:hiddenLine xmlns:p14="http://schemas.microsoft.com/office/powerpoint/2010/main" xmlns:a14="http://schemas.microsoft.com/office/drawing/2010/main" xmlns:a16="http://schemas.microsoft.com/office/drawing/2014/main" xmlns="" w="9525">
+                <a14:hiddenLine xmlns="" xmlns:a16="http://schemas.microsoft.com/office/drawing/2014/main" xmlns:a14="http://schemas.microsoft.com/office/drawing/2010/main" xmlns:p14="http://schemas.microsoft.com/office/powerpoint/2010/main" w="9525">
                   <a:solidFill>
                     <a:srgbClr val="000000"/>
                   </a:solidFill>
@@ -20353,7 +20353,7 @@
             </a:ln>
             <a:extLst>
               <a:ext uri="{91240B29-F687-4f45-9708-019B960494DF}">
-                <a14:hiddenLine xmlns:p14="http://schemas.microsoft.com/office/powerpoint/2010/main" xmlns:a14="http://schemas.microsoft.com/office/drawing/2010/main" xmlns:a16="http://schemas.microsoft.com/office/drawing/2014/main" xmlns="" w="9525">
+                <a14:hiddenLine xmlns="" xmlns:a16="http://schemas.microsoft.com/office/drawing/2014/main" xmlns:a14="http://schemas.microsoft.com/office/drawing/2010/main" xmlns:p14="http://schemas.microsoft.com/office/powerpoint/2010/main" w="9525">
                   <a:solidFill>
                     <a:srgbClr val="000000"/>
                   </a:solidFill>
@@ -20458,7 +20458,7 @@
             </a:ln>
             <a:extLst>
               <a:ext uri="{91240B29-F687-4f45-9708-019B960494DF}">
-                <a14:hiddenLine xmlns:p14="http://schemas.microsoft.com/office/powerpoint/2010/main" xmlns:a14="http://schemas.microsoft.com/office/drawing/2010/main" xmlns:a16="http://schemas.microsoft.com/office/drawing/2014/main" xmlns="" w="9525">
+                <a14:hiddenLine xmlns="" xmlns:a16="http://schemas.microsoft.com/office/drawing/2014/main" xmlns:a14="http://schemas.microsoft.com/office/drawing/2010/main" xmlns:p14="http://schemas.microsoft.com/office/powerpoint/2010/main" w="9525">
                   <a:solidFill>
                     <a:srgbClr val="000000"/>
                   </a:solidFill>
@@ -20563,7 +20563,7 @@
             </a:ln>
             <a:extLst>
               <a:ext uri="{91240B29-F687-4f45-9708-019B960494DF}">
-                <a14:hiddenLine xmlns:p14="http://schemas.microsoft.com/office/powerpoint/2010/main" xmlns:a14="http://schemas.microsoft.com/office/drawing/2010/main" xmlns:a16="http://schemas.microsoft.com/office/drawing/2014/main" xmlns="" w="9525">
+                <a14:hiddenLine xmlns="" xmlns:a16="http://schemas.microsoft.com/office/drawing/2014/main" xmlns:a14="http://schemas.microsoft.com/office/drawing/2010/main" xmlns:p14="http://schemas.microsoft.com/office/powerpoint/2010/main" w="9525">
                   <a:solidFill>
                     <a:srgbClr val="000000"/>
                   </a:solidFill>
@@ -20640,7 +20640,7 @@
             </a:ln>
             <a:extLst>
               <a:ext uri="{91240B29-F687-4f45-9708-019B960494DF}">
-                <a14:hiddenLine xmlns:p14="http://schemas.microsoft.com/office/powerpoint/2010/main" xmlns:a14="http://schemas.microsoft.com/office/drawing/2010/main" xmlns:a16="http://schemas.microsoft.com/office/drawing/2014/main" xmlns="" w="9525">
+                <a14:hiddenLine xmlns="" xmlns:a16="http://schemas.microsoft.com/office/drawing/2014/main" xmlns:a14="http://schemas.microsoft.com/office/drawing/2010/main" xmlns:p14="http://schemas.microsoft.com/office/powerpoint/2010/main" w="9525">
                   <a:solidFill>
                     <a:srgbClr val="000000"/>
                   </a:solidFill>
@@ -20745,7 +20745,7 @@
             </a:ln>
             <a:extLst>
               <a:ext uri="{91240B29-F687-4f45-9708-019B960494DF}">
-                <a14:hiddenLine xmlns:p14="http://schemas.microsoft.com/office/powerpoint/2010/main" xmlns:a14="http://schemas.microsoft.com/office/drawing/2010/main" xmlns:a16="http://schemas.microsoft.com/office/drawing/2014/main" xmlns="" w="9525">
+                <a14:hiddenLine xmlns="" xmlns:a16="http://schemas.microsoft.com/office/drawing/2014/main" xmlns:a14="http://schemas.microsoft.com/office/drawing/2010/main" xmlns:p14="http://schemas.microsoft.com/office/powerpoint/2010/main" w="9525">
                   <a:solidFill>
                     <a:srgbClr val="000000"/>
                   </a:solidFill>
@@ -20850,7 +20850,7 @@
             </a:ln>
             <a:extLst>
               <a:ext uri="{91240B29-F687-4f45-9708-019B960494DF}">
-                <a14:hiddenLine xmlns:p14="http://schemas.microsoft.com/office/powerpoint/2010/main" xmlns:a14="http://schemas.microsoft.com/office/drawing/2010/main" xmlns:a16="http://schemas.microsoft.com/office/drawing/2014/main" xmlns="" w="9525">
+                <a14:hiddenLine xmlns="" xmlns:a16="http://schemas.microsoft.com/office/drawing/2014/main" xmlns:a14="http://schemas.microsoft.com/office/drawing/2010/main" xmlns:p14="http://schemas.microsoft.com/office/powerpoint/2010/main" w="9525">
                   <a:solidFill>
                     <a:srgbClr val="000000"/>
                   </a:solidFill>
@@ -20921,7 +20921,7 @@
             </a:ln>
             <a:extLst>
               <a:ext uri="{91240B29-F687-4f45-9708-019B960494DF}">
-                <a14:hiddenLine xmlns:p14="http://schemas.microsoft.com/office/powerpoint/2010/main" xmlns:a14="http://schemas.microsoft.com/office/drawing/2010/main" xmlns:a16="http://schemas.microsoft.com/office/drawing/2014/main" xmlns="" w="9525">
+                <a14:hiddenLine xmlns="" xmlns:a16="http://schemas.microsoft.com/office/drawing/2014/main" xmlns:a14="http://schemas.microsoft.com/office/drawing/2010/main" xmlns:p14="http://schemas.microsoft.com/office/powerpoint/2010/main" w="9525">
                   <a:solidFill>
                     <a:srgbClr val="000000"/>
                   </a:solidFill>
@@ -21026,7 +21026,7 @@
             </a:ln>
             <a:extLst>
               <a:ext uri="{91240B29-F687-4f45-9708-019B960494DF}">
-                <a14:hiddenLine xmlns:p14="http://schemas.microsoft.com/office/powerpoint/2010/main" xmlns:a14="http://schemas.microsoft.com/office/drawing/2010/main" xmlns:a16="http://schemas.microsoft.com/office/drawing/2014/main" xmlns="" w="9525">
+                <a14:hiddenLine xmlns="" xmlns:a16="http://schemas.microsoft.com/office/drawing/2014/main" xmlns:a14="http://schemas.microsoft.com/office/drawing/2010/main" xmlns:p14="http://schemas.microsoft.com/office/powerpoint/2010/main" w="9525">
                   <a:solidFill>
                     <a:srgbClr val="000000"/>
                   </a:solidFill>
@@ -21097,7 +21097,7 @@
             </a:ln>
             <a:extLst>
               <a:ext uri="{91240B29-F687-4f45-9708-019B960494DF}">
-                <a14:hiddenLine xmlns:p14="http://schemas.microsoft.com/office/powerpoint/2010/main" xmlns:a14="http://schemas.microsoft.com/office/drawing/2010/main" xmlns:a16="http://schemas.microsoft.com/office/drawing/2014/main" xmlns="" w="9525">
+                <a14:hiddenLine xmlns="" xmlns:a16="http://schemas.microsoft.com/office/drawing/2014/main" xmlns:a14="http://schemas.microsoft.com/office/drawing/2010/main" xmlns:p14="http://schemas.microsoft.com/office/powerpoint/2010/main" w="9525">
                   <a:solidFill>
                     <a:srgbClr val="000000"/>
                   </a:solidFill>
@@ -21202,7 +21202,7 @@
             </a:ln>
             <a:extLst>
               <a:ext uri="{91240B29-F687-4f45-9708-019B960494DF}">
-                <a14:hiddenLine xmlns:p14="http://schemas.microsoft.com/office/powerpoint/2010/main" xmlns:a14="http://schemas.microsoft.com/office/drawing/2010/main" xmlns:a16="http://schemas.microsoft.com/office/drawing/2014/main" xmlns="" w="9525">
+                <a14:hiddenLine xmlns="" xmlns:a16="http://schemas.microsoft.com/office/drawing/2014/main" xmlns:a14="http://schemas.microsoft.com/office/drawing/2010/main" xmlns:p14="http://schemas.microsoft.com/office/powerpoint/2010/main" w="9525">
                   <a:solidFill>
                     <a:srgbClr val="000000"/>
                   </a:solidFill>
@@ -21285,7 +21285,7 @@
             </a:ln>
             <a:extLst>
               <a:ext uri="{91240B29-F687-4f45-9708-019B960494DF}">
-                <a14:hiddenLine xmlns:p14="http://schemas.microsoft.com/office/powerpoint/2010/main" xmlns:a14="http://schemas.microsoft.com/office/drawing/2010/main" xmlns:a16="http://schemas.microsoft.com/office/drawing/2014/main" xmlns="" w="9525">
+                <a14:hiddenLine xmlns="" xmlns:a16="http://schemas.microsoft.com/office/drawing/2014/main" xmlns:a14="http://schemas.microsoft.com/office/drawing/2010/main" xmlns:p14="http://schemas.microsoft.com/office/powerpoint/2010/main" w="9525">
                   <a:solidFill>
                     <a:srgbClr val="000000"/>
                   </a:solidFill>
@@ -21390,7 +21390,7 @@
             </a:ln>
             <a:extLst>
               <a:ext uri="{91240B29-F687-4f45-9708-019B960494DF}">
-                <a14:hiddenLine xmlns:p14="http://schemas.microsoft.com/office/powerpoint/2010/main" xmlns:a14="http://schemas.microsoft.com/office/drawing/2010/main" xmlns:a16="http://schemas.microsoft.com/office/drawing/2014/main" xmlns="" w="9525">
+                <a14:hiddenLine xmlns="" xmlns:a16="http://schemas.microsoft.com/office/drawing/2014/main" xmlns:a14="http://schemas.microsoft.com/office/drawing/2010/main" xmlns:p14="http://schemas.microsoft.com/office/powerpoint/2010/main" w="9525">
                   <a:solidFill>
                     <a:srgbClr val="000000"/>
                   </a:solidFill>
@@ -21473,7 +21473,7 @@
             </a:ln>
             <a:extLst>
               <a:ext uri="{91240B29-F687-4f45-9708-019B960494DF}">
-                <a14:hiddenLine xmlns:p14="http://schemas.microsoft.com/office/powerpoint/2010/main" xmlns:a14="http://schemas.microsoft.com/office/drawing/2010/main" xmlns:a16="http://schemas.microsoft.com/office/drawing/2014/main" xmlns="" w="9525">
+                <a14:hiddenLine xmlns="" xmlns:a16="http://schemas.microsoft.com/office/drawing/2014/main" xmlns:a14="http://schemas.microsoft.com/office/drawing/2010/main" xmlns:p14="http://schemas.microsoft.com/office/powerpoint/2010/main" w="9525">
                   <a:solidFill>
                     <a:srgbClr val="000000"/>
                   </a:solidFill>
@@ -21578,7 +21578,7 @@
             </a:ln>
             <a:extLst>
               <a:ext uri="{91240B29-F687-4f45-9708-019B960494DF}">
-                <a14:hiddenLine xmlns:p14="http://schemas.microsoft.com/office/powerpoint/2010/main" xmlns:a14="http://schemas.microsoft.com/office/drawing/2010/main" xmlns:a16="http://schemas.microsoft.com/office/drawing/2014/main" xmlns="" w="9525">
+                <a14:hiddenLine xmlns="" xmlns:a16="http://schemas.microsoft.com/office/drawing/2014/main" xmlns:a14="http://schemas.microsoft.com/office/drawing/2010/main" xmlns:p14="http://schemas.microsoft.com/office/powerpoint/2010/main" w="9525">
                   <a:solidFill>
                     <a:srgbClr val="000000"/>
                   </a:solidFill>
@@ -21627,7 +21627,7 @@
             </a:ln>
             <a:extLst>
               <a:ext uri="{91240B29-F687-4f45-9708-019B960494DF}">
-                <a14:hiddenLine xmlns:p14="http://schemas.microsoft.com/office/powerpoint/2010/main" xmlns:a14="http://schemas.microsoft.com/office/drawing/2010/main" xmlns:a16="http://schemas.microsoft.com/office/drawing/2014/main" xmlns="" w="9525">
+                <a14:hiddenLine xmlns="" xmlns:a16="http://schemas.microsoft.com/office/drawing/2014/main" xmlns:a14="http://schemas.microsoft.com/office/drawing/2010/main" xmlns:p14="http://schemas.microsoft.com/office/powerpoint/2010/main" w="9525">
                   <a:solidFill>
                     <a:srgbClr val="000000"/>
                   </a:solidFill>
@@ -21732,7 +21732,7 @@
             </a:ln>
             <a:extLst>
               <a:ext uri="{91240B29-F687-4f45-9708-019B960494DF}">
-                <a14:hiddenLine xmlns:p14="http://schemas.microsoft.com/office/powerpoint/2010/main" xmlns:a14="http://schemas.microsoft.com/office/drawing/2010/main" xmlns:a16="http://schemas.microsoft.com/office/drawing/2014/main" xmlns="" w="9525">
+                <a14:hiddenLine xmlns="" xmlns:a16="http://schemas.microsoft.com/office/drawing/2014/main" xmlns:a14="http://schemas.microsoft.com/office/drawing/2010/main" xmlns:p14="http://schemas.microsoft.com/office/powerpoint/2010/main" w="9525">
                   <a:solidFill>
                     <a:srgbClr val="000000"/>
                   </a:solidFill>
@@ -21809,7 +21809,7 @@
             </a:ln>
             <a:extLst>
               <a:ext uri="{91240B29-F687-4f45-9708-019B960494DF}">
-                <a14:hiddenLine xmlns:p14="http://schemas.microsoft.com/office/powerpoint/2010/main" xmlns:a14="http://schemas.microsoft.com/office/drawing/2010/main" xmlns:a16="http://schemas.microsoft.com/office/drawing/2014/main" xmlns="" w="9525">
+                <a14:hiddenLine xmlns="" xmlns:a16="http://schemas.microsoft.com/office/drawing/2014/main" xmlns:a14="http://schemas.microsoft.com/office/drawing/2010/main" xmlns:p14="http://schemas.microsoft.com/office/powerpoint/2010/main" w="9525">
                   <a:solidFill>
                     <a:srgbClr val="000000"/>
                   </a:solidFill>
@@ -21886,7 +21886,7 @@
             </a:ln>
             <a:extLst>
               <a:ext uri="{91240B29-F687-4f45-9708-019B960494DF}">
-                <a14:hiddenLine xmlns:p14="http://schemas.microsoft.com/office/powerpoint/2010/main" xmlns:a14="http://schemas.microsoft.com/office/drawing/2010/main" xmlns:a16="http://schemas.microsoft.com/office/drawing/2014/main" xmlns="" w="9525">
+                <a14:hiddenLine xmlns="" xmlns:a16="http://schemas.microsoft.com/office/drawing/2014/main" xmlns:a14="http://schemas.microsoft.com/office/drawing/2010/main" xmlns:p14="http://schemas.microsoft.com/office/powerpoint/2010/main" w="9525">
                   <a:solidFill>
                     <a:srgbClr val="000000"/>
                   </a:solidFill>
@@ -21991,7 +21991,7 @@
             </a:ln>
             <a:extLst>
               <a:ext uri="{91240B29-F687-4f45-9708-019B960494DF}">
-                <a14:hiddenLine xmlns:p14="http://schemas.microsoft.com/office/powerpoint/2010/main" xmlns:a14="http://schemas.microsoft.com/office/drawing/2010/main" xmlns:a16="http://schemas.microsoft.com/office/drawing/2014/main" xmlns="" w="9525">
+                <a14:hiddenLine xmlns="" xmlns:a16="http://schemas.microsoft.com/office/drawing/2014/main" xmlns:a14="http://schemas.microsoft.com/office/drawing/2010/main" xmlns:p14="http://schemas.microsoft.com/office/powerpoint/2010/main" w="9525">
                   <a:solidFill>
                     <a:srgbClr val="000000"/>
                   </a:solidFill>
@@ -22074,7 +22074,7 @@
             </a:ln>
             <a:extLst>
               <a:ext uri="{91240B29-F687-4f45-9708-019B960494DF}">
-                <a14:hiddenLine xmlns:p14="http://schemas.microsoft.com/office/powerpoint/2010/main" xmlns:a14="http://schemas.microsoft.com/office/drawing/2010/main" xmlns:a16="http://schemas.microsoft.com/office/drawing/2014/main" xmlns="" w="9525">
+                <a14:hiddenLine xmlns="" xmlns:a16="http://schemas.microsoft.com/office/drawing/2014/main" xmlns:a14="http://schemas.microsoft.com/office/drawing/2010/main" xmlns:p14="http://schemas.microsoft.com/office/powerpoint/2010/main" w="9525">
                   <a:solidFill>
                     <a:srgbClr val="000000"/>
                   </a:solidFill>
@@ -22151,7 +22151,7 @@
             </a:ln>
             <a:extLst>
               <a:ext uri="{91240B29-F687-4f45-9708-019B960494DF}">
-                <a14:hiddenLine xmlns:p14="http://schemas.microsoft.com/office/powerpoint/2010/main" xmlns:a14="http://schemas.microsoft.com/office/drawing/2010/main" xmlns:a16="http://schemas.microsoft.com/office/drawing/2014/main" xmlns="" w="9525">
+                <a14:hiddenLine xmlns="" xmlns:a16="http://schemas.microsoft.com/office/drawing/2014/main" xmlns:a14="http://schemas.microsoft.com/office/drawing/2010/main" xmlns:p14="http://schemas.microsoft.com/office/powerpoint/2010/main" w="9525">
                   <a:solidFill>
                     <a:srgbClr val="000000"/>
                   </a:solidFill>
@@ -22256,7 +22256,7 @@
             </a:ln>
             <a:extLst>
               <a:ext uri="{91240B29-F687-4f45-9708-019B960494DF}">
-                <a14:hiddenLine xmlns:p14="http://schemas.microsoft.com/office/powerpoint/2010/main" xmlns:a14="http://schemas.microsoft.com/office/drawing/2010/main" xmlns:a16="http://schemas.microsoft.com/office/drawing/2014/main" xmlns="" w="9525">
+                <a14:hiddenLine xmlns="" xmlns:a16="http://schemas.microsoft.com/office/drawing/2014/main" xmlns:a14="http://schemas.microsoft.com/office/drawing/2010/main" xmlns:p14="http://schemas.microsoft.com/office/powerpoint/2010/main" w="9525">
                   <a:solidFill>
                     <a:srgbClr val="000000"/>
                   </a:solidFill>
@@ -22333,7 +22333,7 @@
             </a:ln>
             <a:extLst>
               <a:ext uri="{91240B29-F687-4f45-9708-019B960494DF}">
-                <a14:hiddenLine xmlns:p14="http://schemas.microsoft.com/office/powerpoint/2010/main" xmlns:a14="http://schemas.microsoft.com/office/drawing/2010/main" xmlns:a16="http://schemas.microsoft.com/office/drawing/2014/main" xmlns="" w="9525">
+                <a14:hiddenLine xmlns="" xmlns:a16="http://schemas.microsoft.com/office/drawing/2014/main" xmlns:a14="http://schemas.microsoft.com/office/drawing/2010/main" xmlns:p14="http://schemas.microsoft.com/office/powerpoint/2010/main" w="9525">
                   <a:solidFill>
                     <a:srgbClr val="000000"/>
                   </a:solidFill>
@@ -22438,7 +22438,7 @@
             </a:ln>
             <a:extLst>
               <a:ext uri="{91240B29-F687-4f45-9708-019B960494DF}">
-                <a14:hiddenLine xmlns:p14="http://schemas.microsoft.com/office/powerpoint/2010/main" xmlns:a14="http://schemas.microsoft.com/office/drawing/2010/main" xmlns:a16="http://schemas.microsoft.com/office/drawing/2014/main" xmlns="" w="9525">
+                <a14:hiddenLine xmlns="" xmlns:a16="http://schemas.microsoft.com/office/drawing/2014/main" xmlns:a14="http://schemas.microsoft.com/office/drawing/2010/main" xmlns:p14="http://schemas.microsoft.com/office/powerpoint/2010/main" w="9525">
                   <a:solidFill>
                     <a:srgbClr val="000000"/>
                   </a:solidFill>
@@ -22515,7 +22515,7 @@
             </a:ln>
             <a:extLst>
               <a:ext uri="{91240B29-F687-4f45-9708-019B960494DF}">
-                <a14:hiddenLine xmlns:p14="http://schemas.microsoft.com/office/powerpoint/2010/main" xmlns:a14="http://schemas.microsoft.com/office/drawing/2010/main" xmlns:a16="http://schemas.microsoft.com/office/drawing/2014/main" xmlns="" w="9525">
+                <a14:hiddenLine xmlns="" xmlns:a16="http://schemas.microsoft.com/office/drawing/2014/main" xmlns:a14="http://schemas.microsoft.com/office/drawing/2010/main" xmlns:p14="http://schemas.microsoft.com/office/powerpoint/2010/main" w="9525">
                   <a:solidFill>
                     <a:srgbClr val="000000"/>
                   </a:solidFill>
@@ -22620,7 +22620,7 @@
             </a:ln>
             <a:extLst>
               <a:ext uri="{91240B29-F687-4f45-9708-019B960494DF}">
-                <a14:hiddenLine xmlns:p14="http://schemas.microsoft.com/office/powerpoint/2010/main" xmlns:a14="http://schemas.microsoft.com/office/drawing/2010/main" xmlns:a16="http://schemas.microsoft.com/office/drawing/2014/main" xmlns="" w="9525">
+                <a14:hiddenLine xmlns="" xmlns:a16="http://schemas.microsoft.com/office/drawing/2014/main" xmlns:a14="http://schemas.microsoft.com/office/drawing/2010/main" xmlns:p14="http://schemas.microsoft.com/office/powerpoint/2010/main" w="9525">
                   <a:solidFill>
                     <a:srgbClr val="000000"/>
                   </a:solidFill>
@@ -22669,7 +22669,7 @@
             </a:ln>
             <a:extLst>
               <a:ext uri="{91240B29-F687-4f45-9708-019B960494DF}">
-                <a14:hiddenLine xmlns:p14="http://schemas.microsoft.com/office/powerpoint/2010/main" xmlns:a14="http://schemas.microsoft.com/office/drawing/2010/main" xmlns:a16="http://schemas.microsoft.com/office/drawing/2014/main" xmlns="" w="9525">
+                <a14:hiddenLine xmlns="" xmlns:a16="http://schemas.microsoft.com/office/drawing/2014/main" xmlns:a14="http://schemas.microsoft.com/office/drawing/2010/main" xmlns:p14="http://schemas.microsoft.com/office/powerpoint/2010/main" w="9525">
                   <a:solidFill>
                     <a:srgbClr val="000000"/>
                   </a:solidFill>
@@ -22749,7 +22749,7 @@
             </a:ln>
             <a:extLst>
               <a:ext uri="{91240B29-F687-4f45-9708-019B960494DF}">
-                <a14:hiddenLine xmlns:p14="http://schemas.microsoft.com/office/powerpoint/2010/main" xmlns:a14="http://schemas.microsoft.com/office/drawing/2010/main" xmlns:a16="http://schemas.microsoft.com/office/drawing/2014/main" xmlns="" w="9525">
+                <a14:hiddenLine xmlns="" xmlns:a16="http://schemas.microsoft.com/office/drawing/2014/main" xmlns:a14="http://schemas.microsoft.com/office/drawing/2010/main" xmlns:p14="http://schemas.microsoft.com/office/powerpoint/2010/main" w="9525">
                   <a:solidFill>
                     <a:srgbClr val="000000"/>
                   </a:solidFill>
@@ -22854,7 +22854,7 @@
             </a:ln>
             <a:extLst>
               <a:ext uri="{91240B29-F687-4f45-9708-019B960494DF}">
-                <a14:hiddenLine xmlns:p14="http://schemas.microsoft.com/office/powerpoint/2010/main" xmlns:a14="http://schemas.microsoft.com/office/drawing/2010/main" xmlns:a16="http://schemas.microsoft.com/office/drawing/2014/main" xmlns="" w="9525">
+                <a14:hiddenLine xmlns="" xmlns:a16="http://schemas.microsoft.com/office/drawing/2014/main" xmlns:a14="http://schemas.microsoft.com/office/drawing/2010/main" xmlns:p14="http://schemas.microsoft.com/office/powerpoint/2010/main" w="9525">
                   <a:solidFill>
                     <a:srgbClr val="000000"/>
                   </a:solidFill>
@@ -22931,7 +22931,7 @@
             </a:ln>
             <a:extLst>
               <a:ext uri="{91240B29-F687-4f45-9708-019B960494DF}">
-                <a14:hiddenLine xmlns:p14="http://schemas.microsoft.com/office/powerpoint/2010/main" xmlns:a14="http://schemas.microsoft.com/office/drawing/2010/main" xmlns:a16="http://schemas.microsoft.com/office/drawing/2014/main" xmlns="" w="9525">
+                <a14:hiddenLine xmlns="" xmlns:a16="http://schemas.microsoft.com/office/drawing/2014/main" xmlns:a14="http://schemas.microsoft.com/office/drawing/2010/main" xmlns:p14="http://schemas.microsoft.com/office/powerpoint/2010/main" w="9525">
                   <a:solidFill>
                     <a:srgbClr val="000000"/>
                   </a:solidFill>
@@ -23036,7 +23036,7 @@
             </a:ln>
             <a:extLst>
               <a:ext uri="{91240B29-F687-4f45-9708-019B960494DF}">
-                <a14:hiddenLine xmlns:p14="http://schemas.microsoft.com/office/powerpoint/2010/main" xmlns:a14="http://schemas.microsoft.com/office/drawing/2010/main" xmlns:a16="http://schemas.microsoft.com/office/drawing/2014/main" xmlns="" w="9525">
+                <a14:hiddenLine xmlns="" xmlns:a16="http://schemas.microsoft.com/office/drawing/2014/main" xmlns:a14="http://schemas.microsoft.com/office/drawing/2010/main" xmlns:p14="http://schemas.microsoft.com/office/powerpoint/2010/main" w="9525">
                   <a:solidFill>
                     <a:srgbClr val="000000"/>
                   </a:solidFill>
@@ -23141,7 +23141,7 @@
             </a:ln>
             <a:extLst>
               <a:ext uri="{91240B29-F687-4f45-9708-019B960494DF}">
-                <a14:hiddenLine xmlns:p14="http://schemas.microsoft.com/office/powerpoint/2010/main" xmlns:a14="http://schemas.microsoft.com/office/drawing/2010/main" xmlns:a16="http://schemas.microsoft.com/office/drawing/2014/main" xmlns="" w="9525">
+                <a14:hiddenLine xmlns="" xmlns:a16="http://schemas.microsoft.com/office/drawing/2014/main" xmlns:a14="http://schemas.microsoft.com/office/drawing/2010/main" xmlns:p14="http://schemas.microsoft.com/office/powerpoint/2010/main" w="9525">
                   <a:solidFill>
                     <a:srgbClr val="000000"/>
                   </a:solidFill>
@@ -23221,7 +23221,7 @@
             </a:ln>
             <a:extLst>
               <a:ext uri="{91240B29-F687-4f45-9708-019B960494DF}">
-                <a14:hiddenLine xmlns:p14="http://schemas.microsoft.com/office/powerpoint/2010/main" xmlns:a14="http://schemas.microsoft.com/office/drawing/2010/main" xmlns:a16="http://schemas.microsoft.com/office/drawing/2014/main" xmlns="" w="9525">
+                <a14:hiddenLine xmlns="" xmlns:a16="http://schemas.microsoft.com/office/drawing/2014/main" xmlns:a14="http://schemas.microsoft.com/office/drawing/2010/main" xmlns:p14="http://schemas.microsoft.com/office/powerpoint/2010/main" w="9525">
                   <a:solidFill>
                     <a:srgbClr val="000000"/>
                   </a:solidFill>
@@ -23298,7 +23298,7 @@
             </a:ln>
             <a:extLst>
               <a:ext uri="{91240B29-F687-4f45-9708-019B960494DF}">
-                <a14:hiddenLine xmlns:p14="http://schemas.microsoft.com/office/powerpoint/2010/main" xmlns:a14="http://schemas.microsoft.com/office/drawing/2010/main" xmlns:a16="http://schemas.microsoft.com/office/drawing/2014/main" xmlns="" w="9525">
+                <a14:hiddenLine xmlns="" xmlns:a16="http://schemas.microsoft.com/office/drawing/2014/main" xmlns:a14="http://schemas.microsoft.com/office/drawing/2010/main" xmlns:p14="http://schemas.microsoft.com/office/powerpoint/2010/main" w="9525">
                   <a:solidFill>
                     <a:srgbClr val="000000"/>
                   </a:solidFill>
@@ -23403,7 +23403,7 @@
             </a:ln>
             <a:extLst>
               <a:ext uri="{91240B29-F687-4f45-9708-019B960494DF}">
-                <a14:hiddenLine xmlns:p14="http://schemas.microsoft.com/office/powerpoint/2010/main" xmlns:a14="http://schemas.microsoft.com/office/drawing/2010/main" xmlns:a16="http://schemas.microsoft.com/office/drawing/2014/main" xmlns="" w="9525">
+                <a14:hiddenLine xmlns="" xmlns:a16="http://schemas.microsoft.com/office/drawing/2014/main" xmlns:a14="http://schemas.microsoft.com/office/drawing/2010/main" xmlns:p14="http://schemas.microsoft.com/office/powerpoint/2010/main" w="9525">
                   <a:solidFill>
                     <a:srgbClr val="000000"/>
                   </a:solidFill>
@@ -23508,7 +23508,7 @@
             </a:ln>
             <a:extLst>
               <a:ext uri="{91240B29-F687-4f45-9708-019B960494DF}">
-                <a14:hiddenLine xmlns:p14="http://schemas.microsoft.com/office/powerpoint/2010/main" xmlns:a14="http://schemas.microsoft.com/office/drawing/2010/main" xmlns:a16="http://schemas.microsoft.com/office/drawing/2014/main" xmlns="" w="9525">
+                <a14:hiddenLine xmlns="" xmlns:a16="http://schemas.microsoft.com/office/drawing/2014/main" xmlns:a14="http://schemas.microsoft.com/office/drawing/2010/main" xmlns:p14="http://schemas.microsoft.com/office/powerpoint/2010/main" w="9525">
                   <a:solidFill>
                     <a:srgbClr val="000000"/>
                   </a:solidFill>
@@ -23585,7 +23585,7 @@
             </a:ln>
             <a:extLst>
               <a:ext uri="{91240B29-F687-4f45-9708-019B960494DF}">
-                <a14:hiddenLine xmlns:p14="http://schemas.microsoft.com/office/powerpoint/2010/main" xmlns:a14="http://schemas.microsoft.com/office/drawing/2010/main" xmlns:a16="http://schemas.microsoft.com/office/drawing/2014/main" xmlns="" w="9525">
+                <a14:hiddenLine xmlns="" xmlns:a16="http://schemas.microsoft.com/office/drawing/2014/main" xmlns:a14="http://schemas.microsoft.com/office/drawing/2010/main" xmlns:p14="http://schemas.microsoft.com/office/powerpoint/2010/main" w="9525">
                   <a:solidFill>
                     <a:srgbClr val="000000"/>
                   </a:solidFill>
@@ -23720,7 +23720,7 @@
             </a:ln>
             <a:extLst>
               <a:ext uri="{91240B29-F687-4f45-9708-019B960494DF}">
-                <a14:hiddenLine xmlns:p14="http://schemas.microsoft.com/office/powerpoint/2010/main" xmlns:a14="http://schemas.microsoft.com/office/drawing/2010/main" xmlns:a16="http://schemas.microsoft.com/office/drawing/2014/main" xmlns="" w="9525">
+                <a14:hiddenLine xmlns="" xmlns:a16="http://schemas.microsoft.com/office/drawing/2014/main" xmlns:a14="http://schemas.microsoft.com/office/drawing/2010/main" xmlns:p14="http://schemas.microsoft.com/office/powerpoint/2010/main" w="9525">
                   <a:solidFill>
                     <a:srgbClr val="000000"/>
                   </a:solidFill>
@@ -23803,7 +23803,7 @@
             </a:ln>
             <a:extLst>
               <a:ext uri="{91240B29-F687-4f45-9708-019B960494DF}">
-                <a14:hiddenLine xmlns:p14="http://schemas.microsoft.com/office/powerpoint/2010/main" xmlns:a14="http://schemas.microsoft.com/office/drawing/2010/main" xmlns:a16="http://schemas.microsoft.com/office/drawing/2014/main" xmlns="" w="9525">
+                <a14:hiddenLine xmlns="" xmlns:a16="http://schemas.microsoft.com/office/drawing/2014/main" xmlns:a14="http://schemas.microsoft.com/office/drawing/2010/main" xmlns:p14="http://schemas.microsoft.com/office/powerpoint/2010/main" w="9525">
                   <a:solidFill>
                     <a:srgbClr val="000000"/>
                   </a:solidFill>
@@ -23908,7 +23908,7 @@
             </a:ln>
             <a:extLst>
               <a:ext uri="{91240B29-F687-4f45-9708-019B960494DF}">
-                <a14:hiddenLine xmlns:p14="http://schemas.microsoft.com/office/powerpoint/2010/main" xmlns:a14="http://schemas.microsoft.com/office/drawing/2010/main" xmlns:a16="http://schemas.microsoft.com/office/drawing/2014/main" xmlns="" w="9525">
+                <a14:hiddenLine xmlns="" xmlns:a16="http://schemas.microsoft.com/office/drawing/2014/main" xmlns:a14="http://schemas.microsoft.com/office/drawing/2010/main" xmlns:p14="http://schemas.microsoft.com/office/powerpoint/2010/main" w="9525">
                   <a:solidFill>
                     <a:srgbClr val="000000"/>
                   </a:solidFill>
@@ -24065,7 +24065,7 @@
             <a:noFill/>
             <a:extLst>
               <a:ext uri="{909E8E84-426E-40dd-AFC4-6F175D3DCCD1}">
-                <a14:hiddenFill xmlns:p14="http://schemas.microsoft.com/office/powerpoint/2010/main" xmlns:a14="http://schemas.microsoft.com/office/drawing/2010/main" xmlns:a16="http://schemas.microsoft.com/office/drawing/2014/main" xmlns="">
+                <a14:hiddenFill xmlns="" xmlns:a16="http://schemas.microsoft.com/office/drawing/2014/main" xmlns:a14="http://schemas.microsoft.com/office/drawing/2010/main" xmlns:p14="http://schemas.microsoft.com/office/powerpoint/2010/main">
                   <a:solidFill>
                     <a:srgbClr val="FFFFFF"/>
                   </a:solidFill>
@@ -33703,8 +33703,12 @@
           </a:p>
           <a:p>
             <a:r>
+              <a:rPr lang="en-US"/>
+              <a:t>Public </a:t>
+            </a:r>
+            <a:r>
               <a:rPr lang="en-US" dirty="0"/>
-              <a:t>Pubic Domain –  </a:t>
+              <a:t>Domain –  </a:t>
             </a:r>
           </a:p>
           <a:p>
@@ -37118,7 +37122,7 @@
           <a:noFill/>
           <a:extLst>
             <a:ext uri="{909E8E84-426E-40dd-AFC4-6F175D3DCCD1}">
-              <a14:hiddenFill xmlns:p14="http://schemas.microsoft.com/office/powerpoint/2010/main" xmlns:a14="http://schemas.microsoft.com/office/drawing/2010/main" xmlns:a16="http://schemas.microsoft.com/office/drawing/2014/main" xmlns="">
+              <a14:hiddenFill xmlns="" xmlns:a16="http://schemas.microsoft.com/office/drawing/2014/main" xmlns:a14="http://schemas.microsoft.com/office/drawing/2010/main" xmlns:p14="http://schemas.microsoft.com/office/powerpoint/2010/main">
                 <a:solidFill>
                   <a:srgbClr val="FFFFFF"/>
                 </a:solidFill>
@@ -37209,7 +37213,7 @@
             </a:ln>
             <a:extLst>
               <a:ext uri="{91240B29-F687-4f45-9708-019B960494DF}">
-                <a14:hiddenLine xmlns:p14="http://schemas.microsoft.com/office/powerpoint/2010/main" xmlns:a14="http://schemas.microsoft.com/office/drawing/2010/main" xmlns:a16="http://schemas.microsoft.com/office/drawing/2014/main" xmlns="" w="9525">
+                <a14:hiddenLine xmlns="" xmlns:a16="http://schemas.microsoft.com/office/drawing/2014/main" xmlns:a14="http://schemas.microsoft.com/office/drawing/2010/main" xmlns:p14="http://schemas.microsoft.com/office/powerpoint/2010/main" w="9525">
                   <a:solidFill>
                     <a:srgbClr val="000000"/>
                   </a:solidFill>
@@ -37314,7 +37318,7 @@
             </a:ln>
             <a:extLst>
               <a:ext uri="{91240B29-F687-4f45-9708-019B960494DF}">
-                <a14:hiddenLine xmlns:p14="http://schemas.microsoft.com/office/powerpoint/2010/main" xmlns:a14="http://schemas.microsoft.com/office/drawing/2010/main" xmlns:a16="http://schemas.microsoft.com/office/drawing/2014/main" xmlns="" w="9525">
+                <a14:hiddenLine xmlns="" xmlns:a16="http://schemas.microsoft.com/office/drawing/2014/main" xmlns:a14="http://schemas.microsoft.com/office/drawing/2010/main" xmlns:p14="http://schemas.microsoft.com/office/powerpoint/2010/main" w="9525">
                   <a:solidFill>
                     <a:srgbClr val="000000"/>
                   </a:solidFill>
@@ -37419,7 +37423,7 @@
             </a:ln>
             <a:extLst>
               <a:ext uri="{91240B29-F687-4f45-9708-019B960494DF}">
-                <a14:hiddenLine xmlns:p14="http://schemas.microsoft.com/office/powerpoint/2010/main" xmlns:a14="http://schemas.microsoft.com/office/drawing/2010/main" xmlns:a16="http://schemas.microsoft.com/office/drawing/2014/main" xmlns="" w="9525">
+                <a14:hiddenLine xmlns="" xmlns:a16="http://schemas.microsoft.com/office/drawing/2014/main" xmlns:a14="http://schemas.microsoft.com/office/drawing/2010/main" xmlns:p14="http://schemas.microsoft.com/office/powerpoint/2010/main" w="9525">
                   <a:solidFill>
                     <a:srgbClr val="000000"/>
                   </a:solidFill>
@@ -37468,7 +37472,7 @@
             </a:ln>
             <a:extLst>
               <a:ext uri="{91240B29-F687-4f45-9708-019B960494DF}">
-                <a14:hiddenLine xmlns:p14="http://schemas.microsoft.com/office/powerpoint/2010/main" xmlns:a14="http://schemas.microsoft.com/office/drawing/2010/main" xmlns:a16="http://schemas.microsoft.com/office/drawing/2014/main" xmlns="" w="9525">
+                <a14:hiddenLine xmlns="" xmlns:a16="http://schemas.microsoft.com/office/drawing/2014/main" xmlns:a14="http://schemas.microsoft.com/office/drawing/2010/main" xmlns:p14="http://schemas.microsoft.com/office/powerpoint/2010/main" w="9525">
                   <a:solidFill>
                     <a:srgbClr val="000000"/>
                   </a:solidFill>
@@ -37573,7 +37577,7 @@
             </a:ln>
             <a:extLst>
               <a:ext uri="{91240B29-F687-4f45-9708-019B960494DF}">
-                <a14:hiddenLine xmlns:p14="http://schemas.microsoft.com/office/powerpoint/2010/main" xmlns:a14="http://schemas.microsoft.com/office/drawing/2010/main" xmlns:a16="http://schemas.microsoft.com/office/drawing/2014/main" xmlns="" w="9525">
+                <a14:hiddenLine xmlns="" xmlns:a16="http://schemas.microsoft.com/office/drawing/2014/main" xmlns:a14="http://schemas.microsoft.com/office/drawing/2010/main" xmlns:p14="http://schemas.microsoft.com/office/powerpoint/2010/main" w="9525">
                   <a:solidFill>
                     <a:srgbClr val="000000"/>
                   </a:solidFill>
@@ -37650,7 +37654,7 @@
             </a:ln>
             <a:extLst>
               <a:ext uri="{91240B29-F687-4f45-9708-019B960494DF}">
-                <a14:hiddenLine xmlns:p14="http://schemas.microsoft.com/office/powerpoint/2010/main" xmlns:a14="http://schemas.microsoft.com/office/drawing/2010/main" xmlns:a16="http://schemas.microsoft.com/office/drawing/2014/main" xmlns="" w="9525">
+                <a14:hiddenLine xmlns="" xmlns:a16="http://schemas.microsoft.com/office/drawing/2014/main" xmlns:a14="http://schemas.microsoft.com/office/drawing/2010/main" xmlns:p14="http://schemas.microsoft.com/office/powerpoint/2010/main" w="9525">
                   <a:solidFill>
                     <a:srgbClr val="000000"/>
                   </a:solidFill>
@@ -37727,7 +37731,7 @@
             </a:ln>
             <a:extLst>
               <a:ext uri="{91240B29-F687-4f45-9708-019B960494DF}">
-                <a14:hiddenLine xmlns:p14="http://schemas.microsoft.com/office/powerpoint/2010/main" xmlns:a14="http://schemas.microsoft.com/office/drawing/2010/main" xmlns:a16="http://schemas.microsoft.com/office/drawing/2014/main" xmlns="" w="9525">
+                <a14:hiddenLine xmlns="" xmlns:a16="http://schemas.microsoft.com/office/drawing/2014/main" xmlns:a14="http://schemas.microsoft.com/office/drawing/2010/main" xmlns:p14="http://schemas.microsoft.com/office/powerpoint/2010/main" w="9525">
                   <a:solidFill>
                     <a:srgbClr val="000000"/>
                   </a:solidFill>
@@ -37832,7 +37836,7 @@
             </a:ln>
             <a:extLst>
               <a:ext uri="{91240B29-F687-4f45-9708-019B960494DF}">
-                <a14:hiddenLine xmlns:p14="http://schemas.microsoft.com/office/powerpoint/2010/main" xmlns:a14="http://schemas.microsoft.com/office/drawing/2010/main" xmlns:a16="http://schemas.microsoft.com/office/drawing/2014/main" xmlns="" w="9525">
+                <a14:hiddenLine xmlns="" xmlns:a16="http://schemas.microsoft.com/office/drawing/2014/main" xmlns:a14="http://schemas.microsoft.com/office/drawing/2010/main" xmlns:p14="http://schemas.microsoft.com/office/powerpoint/2010/main" w="9525">
                   <a:solidFill>
                     <a:srgbClr val="000000"/>
                   </a:solidFill>
@@ -37909,7 +37913,7 @@
             </a:ln>
             <a:extLst>
               <a:ext uri="{91240B29-F687-4f45-9708-019B960494DF}">
-                <a14:hiddenLine xmlns:p14="http://schemas.microsoft.com/office/powerpoint/2010/main" xmlns:a14="http://schemas.microsoft.com/office/drawing/2010/main" xmlns:a16="http://schemas.microsoft.com/office/drawing/2014/main" xmlns="" w="9525">
+                <a14:hiddenLine xmlns="" xmlns:a16="http://schemas.microsoft.com/office/drawing/2014/main" xmlns:a14="http://schemas.microsoft.com/office/drawing/2010/main" xmlns:p14="http://schemas.microsoft.com/office/powerpoint/2010/main" w="9525">
                   <a:solidFill>
                     <a:srgbClr val="000000"/>
                   </a:solidFill>
@@ -37986,7 +37990,7 @@
             </a:ln>
             <a:extLst>
               <a:ext uri="{91240B29-F687-4f45-9708-019B960494DF}">
-                <a14:hiddenLine xmlns:p14="http://schemas.microsoft.com/office/powerpoint/2010/main" xmlns:a14="http://schemas.microsoft.com/office/drawing/2010/main" xmlns:a16="http://schemas.microsoft.com/office/drawing/2014/main" xmlns="" w="9525">
+                <a14:hiddenLine xmlns="" xmlns:a16="http://schemas.microsoft.com/office/drawing/2014/main" xmlns:a14="http://schemas.microsoft.com/office/drawing/2010/main" xmlns:p14="http://schemas.microsoft.com/office/powerpoint/2010/main" w="9525">
                   <a:solidFill>
                     <a:srgbClr val="000000"/>
                   </a:solidFill>
@@ -38091,7 +38095,7 @@
             </a:ln>
             <a:extLst>
               <a:ext uri="{91240B29-F687-4f45-9708-019B960494DF}">
-                <a14:hiddenLine xmlns:p14="http://schemas.microsoft.com/office/powerpoint/2010/main" xmlns:a14="http://schemas.microsoft.com/office/drawing/2010/main" xmlns:a16="http://schemas.microsoft.com/office/drawing/2014/main" xmlns="" w="9525">
+                <a14:hiddenLine xmlns="" xmlns:a16="http://schemas.microsoft.com/office/drawing/2014/main" xmlns:a14="http://schemas.microsoft.com/office/drawing/2010/main" xmlns:p14="http://schemas.microsoft.com/office/powerpoint/2010/main" w="9525">
                   <a:solidFill>
                     <a:srgbClr val="000000"/>
                   </a:solidFill>
@@ -38196,7 +38200,7 @@
             </a:ln>
             <a:extLst>
               <a:ext uri="{91240B29-F687-4f45-9708-019B960494DF}">
-                <a14:hiddenLine xmlns:p14="http://schemas.microsoft.com/office/powerpoint/2010/main" xmlns:a14="http://schemas.microsoft.com/office/drawing/2010/main" xmlns:a16="http://schemas.microsoft.com/office/drawing/2014/main" xmlns="" w="9525">
+                <a14:hiddenLine xmlns="" xmlns:a16="http://schemas.microsoft.com/office/drawing/2014/main" xmlns:a14="http://schemas.microsoft.com/office/drawing/2010/main" xmlns:p14="http://schemas.microsoft.com/office/powerpoint/2010/main" w="9525">
                   <a:solidFill>
                     <a:srgbClr val="000000"/>
                   </a:solidFill>
@@ -38273,7 +38277,7 @@
             </a:ln>
             <a:extLst>
               <a:ext uri="{91240B29-F687-4f45-9708-019B960494DF}">
-                <a14:hiddenLine xmlns:p14="http://schemas.microsoft.com/office/powerpoint/2010/main" xmlns:a14="http://schemas.microsoft.com/office/drawing/2010/main" xmlns:a16="http://schemas.microsoft.com/office/drawing/2014/main" xmlns="" w="9525">
+                <a14:hiddenLine xmlns="" xmlns:a16="http://schemas.microsoft.com/office/drawing/2014/main" xmlns:a14="http://schemas.microsoft.com/office/drawing/2010/main" xmlns:p14="http://schemas.microsoft.com/office/powerpoint/2010/main" w="9525">
                   <a:solidFill>
                     <a:srgbClr val="000000"/>
                   </a:solidFill>
@@ -38398,7 +38402,7 @@
             </a:ln>
             <a:extLst>
               <a:ext uri="{91240B29-F687-4f45-9708-019B960494DF}">
-                <a14:hiddenLine xmlns:p14="http://schemas.microsoft.com/office/powerpoint/2010/main" xmlns:a14="http://schemas.microsoft.com/office/drawing/2010/main" xmlns:a16="http://schemas.microsoft.com/office/drawing/2014/main" xmlns="" w="9525">
+                <a14:hiddenLine xmlns="" xmlns:a16="http://schemas.microsoft.com/office/drawing/2014/main" xmlns:a14="http://schemas.microsoft.com/office/drawing/2010/main" xmlns:p14="http://schemas.microsoft.com/office/powerpoint/2010/main" w="9525">
                   <a:solidFill>
                     <a:srgbClr val="000000"/>
                   </a:solidFill>
@@ -38475,7 +38479,7 @@
             </a:ln>
             <a:extLst>
               <a:ext uri="{91240B29-F687-4f45-9708-019B960494DF}">
-                <a14:hiddenLine xmlns:p14="http://schemas.microsoft.com/office/powerpoint/2010/main" xmlns:a14="http://schemas.microsoft.com/office/drawing/2010/main" xmlns:a16="http://schemas.microsoft.com/office/drawing/2014/main" xmlns="" w="9525">
+                <a14:hiddenLine xmlns="" xmlns:a16="http://schemas.microsoft.com/office/drawing/2014/main" xmlns:a14="http://schemas.microsoft.com/office/drawing/2010/main" xmlns:p14="http://schemas.microsoft.com/office/powerpoint/2010/main" w="9525">
                   <a:solidFill>
                     <a:srgbClr val="000000"/>
                   </a:solidFill>
@@ -38580,7 +38584,7 @@
             </a:ln>
             <a:extLst>
               <a:ext uri="{91240B29-F687-4f45-9708-019B960494DF}">
-                <a14:hiddenLine xmlns:p14="http://schemas.microsoft.com/office/powerpoint/2010/main" xmlns:a14="http://schemas.microsoft.com/office/drawing/2010/main" xmlns:a16="http://schemas.microsoft.com/office/drawing/2014/main" xmlns="" w="9525">
+                <a14:hiddenLine xmlns="" xmlns:a16="http://schemas.microsoft.com/office/drawing/2014/main" xmlns:a14="http://schemas.microsoft.com/office/drawing/2010/main" xmlns:p14="http://schemas.microsoft.com/office/powerpoint/2010/main" w="9525">
                   <a:solidFill>
                     <a:srgbClr val="000000"/>
                   </a:solidFill>
@@ -38685,7 +38689,7 @@
             </a:ln>
             <a:extLst>
               <a:ext uri="{91240B29-F687-4f45-9708-019B960494DF}">
-                <a14:hiddenLine xmlns:p14="http://schemas.microsoft.com/office/powerpoint/2010/main" xmlns:a14="http://schemas.microsoft.com/office/drawing/2010/main" xmlns:a16="http://schemas.microsoft.com/office/drawing/2014/main" xmlns="" w="9525">
+                <a14:hiddenLine xmlns="" xmlns:a16="http://schemas.microsoft.com/office/drawing/2014/main" xmlns:a14="http://schemas.microsoft.com/office/drawing/2010/main" xmlns:p14="http://schemas.microsoft.com/office/powerpoint/2010/main" w="9525">
                   <a:solidFill>
                     <a:srgbClr val="000000"/>
                   </a:solidFill>
@@ -38762,7 +38766,7 @@
             </a:ln>
             <a:extLst>
               <a:ext uri="{91240B29-F687-4f45-9708-019B960494DF}">
-                <a14:hiddenLine xmlns:p14="http://schemas.microsoft.com/office/powerpoint/2010/main" xmlns:a14="http://schemas.microsoft.com/office/drawing/2010/main" xmlns:a16="http://schemas.microsoft.com/office/drawing/2014/main" xmlns="" w="9525">
+                <a14:hiddenLine xmlns="" xmlns:a16="http://schemas.microsoft.com/office/drawing/2014/main" xmlns:a14="http://schemas.microsoft.com/office/drawing/2010/main" xmlns:p14="http://schemas.microsoft.com/office/powerpoint/2010/main" w="9525">
                   <a:solidFill>
                     <a:srgbClr val="000000"/>
                   </a:solidFill>
@@ -38867,7 +38871,7 @@
             </a:ln>
             <a:extLst>
               <a:ext uri="{91240B29-F687-4f45-9708-019B960494DF}">
-                <a14:hiddenLine xmlns:p14="http://schemas.microsoft.com/office/powerpoint/2010/main" xmlns:a14="http://schemas.microsoft.com/office/drawing/2010/main" xmlns:a16="http://schemas.microsoft.com/office/drawing/2014/main" xmlns="" w="9525">
+                <a14:hiddenLine xmlns="" xmlns:a16="http://schemas.microsoft.com/office/drawing/2014/main" xmlns:a14="http://schemas.microsoft.com/office/drawing/2010/main" xmlns:p14="http://schemas.microsoft.com/office/powerpoint/2010/main" w="9525">
                   <a:solidFill>
                     <a:srgbClr val="000000"/>
                   </a:solidFill>
@@ -38972,7 +38976,7 @@
             </a:ln>
             <a:extLst>
               <a:ext uri="{91240B29-F687-4f45-9708-019B960494DF}">
-                <a14:hiddenLine xmlns:p14="http://schemas.microsoft.com/office/powerpoint/2010/main" xmlns:a14="http://schemas.microsoft.com/office/drawing/2010/main" xmlns:a16="http://schemas.microsoft.com/office/drawing/2014/main" xmlns="" w="9525">
+                <a14:hiddenLine xmlns="" xmlns:a16="http://schemas.microsoft.com/office/drawing/2014/main" xmlns:a14="http://schemas.microsoft.com/office/drawing/2010/main" xmlns:p14="http://schemas.microsoft.com/office/powerpoint/2010/main" w="9525">
                   <a:solidFill>
                     <a:srgbClr val="000000"/>
                   </a:solidFill>
@@ -39043,7 +39047,7 @@
             </a:ln>
             <a:extLst>
               <a:ext uri="{91240B29-F687-4f45-9708-019B960494DF}">
-                <a14:hiddenLine xmlns:p14="http://schemas.microsoft.com/office/powerpoint/2010/main" xmlns:a14="http://schemas.microsoft.com/office/drawing/2010/main" xmlns:a16="http://schemas.microsoft.com/office/drawing/2014/main" xmlns="" w="9525">
+                <a14:hiddenLine xmlns="" xmlns:a16="http://schemas.microsoft.com/office/drawing/2014/main" xmlns:a14="http://schemas.microsoft.com/office/drawing/2010/main" xmlns:p14="http://schemas.microsoft.com/office/powerpoint/2010/main" w="9525">
                   <a:solidFill>
                     <a:srgbClr val="000000"/>
                   </a:solidFill>
@@ -39148,7 +39152,7 @@
             </a:ln>
             <a:extLst>
               <a:ext uri="{91240B29-F687-4f45-9708-019B960494DF}">
-                <a14:hiddenLine xmlns:p14="http://schemas.microsoft.com/office/powerpoint/2010/main" xmlns:a14="http://schemas.microsoft.com/office/drawing/2010/main" xmlns:a16="http://schemas.microsoft.com/office/drawing/2014/main" xmlns="" w="9525">
+                <a14:hiddenLine xmlns="" xmlns:a16="http://schemas.microsoft.com/office/drawing/2014/main" xmlns:a14="http://schemas.microsoft.com/office/drawing/2010/main" xmlns:p14="http://schemas.microsoft.com/office/powerpoint/2010/main" w="9525">
                   <a:solidFill>
                     <a:srgbClr val="000000"/>
                   </a:solidFill>
@@ -39219,7 +39223,7 @@
             </a:ln>
             <a:extLst>
               <a:ext uri="{91240B29-F687-4f45-9708-019B960494DF}">
-                <a14:hiddenLine xmlns:p14="http://schemas.microsoft.com/office/powerpoint/2010/main" xmlns:a14="http://schemas.microsoft.com/office/drawing/2010/main" xmlns:a16="http://schemas.microsoft.com/office/drawing/2014/main" xmlns="" w="9525">
+                <a14:hiddenLine xmlns="" xmlns:a16="http://schemas.microsoft.com/office/drawing/2014/main" xmlns:a14="http://schemas.microsoft.com/office/drawing/2010/main" xmlns:p14="http://schemas.microsoft.com/office/powerpoint/2010/main" w="9525">
                   <a:solidFill>
                     <a:srgbClr val="000000"/>
                   </a:solidFill>
@@ -39324,7 +39328,7 @@
             </a:ln>
             <a:extLst>
               <a:ext uri="{91240B29-F687-4f45-9708-019B960494DF}">
-                <a14:hiddenLine xmlns:p14="http://schemas.microsoft.com/office/powerpoint/2010/main" xmlns:a14="http://schemas.microsoft.com/office/drawing/2010/main" xmlns:a16="http://schemas.microsoft.com/office/drawing/2014/main" xmlns="" w="9525">
+                <a14:hiddenLine xmlns="" xmlns:a16="http://schemas.microsoft.com/office/drawing/2014/main" xmlns:a14="http://schemas.microsoft.com/office/drawing/2010/main" xmlns:p14="http://schemas.microsoft.com/office/powerpoint/2010/main" w="9525">
                   <a:solidFill>
                     <a:srgbClr val="000000"/>
                   </a:solidFill>
@@ -39407,7 +39411,7 @@
             </a:ln>
             <a:extLst>
               <a:ext uri="{91240B29-F687-4f45-9708-019B960494DF}">
-                <a14:hiddenLine xmlns:p14="http://schemas.microsoft.com/office/powerpoint/2010/main" xmlns:a14="http://schemas.microsoft.com/office/drawing/2010/main" xmlns:a16="http://schemas.microsoft.com/office/drawing/2014/main" xmlns="" w="9525">
+                <a14:hiddenLine xmlns="" xmlns:a16="http://schemas.microsoft.com/office/drawing/2014/main" xmlns:a14="http://schemas.microsoft.com/office/drawing/2010/main" xmlns:p14="http://schemas.microsoft.com/office/powerpoint/2010/main" w="9525">
                   <a:solidFill>
                     <a:srgbClr val="000000"/>
                   </a:solidFill>
@@ -39512,7 +39516,7 @@
             </a:ln>
             <a:extLst>
               <a:ext uri="{91240B29-F687-4f45-9708-019B960494DF}">
-                <a14:hiddenLine xmlns:p14="http://schemas.microsoft.com/office/powerpoint/2010/main" xmlns:a14="http://schemas.microsoft.com/office/drawing/2010/main" xmlns:a16="http://schemas.microsoft.com/office/drawing/2014/main" xmlns="" w="9525">
+                <a14:hiddenLine xmlns="" xmlns:a16="http://schemas.microsoft.com/office/drawing/2014/main" xmlns:a14="http://schemas.microsoft.com/office/drawing/2010/main" xmlns:p14="http://schemas.microsoft.com/office/powerpoint/2010/main" w="9525">
                   <a:solidFill>
                     <a:srgbClr val="000000"/>
                   </a:solidFill>
@@ -39595,7 +39599,7 @@
             </a:ln>
             <a:extLst>
               <a:ext uri="{91240B29-F687-4f45-9708-019B960494DF}">
-                <a14:hiddenLine xmlns:p14="http://schemas.microsoft.com/office/powerpoint/2010/main" xmlns:a14="http://schemas.microsoft.com/office/drawing/2010/main" xmlns:a16="http://schemas.microsoft.com/office/drawing/2014/main" xmlns="" w="9525">
+                <a14:hiddenLine xmlns="" xmlns:a16="http://schemas.microsoft.com/office/drawing/2014/main" xmlns:a14="http://schemas.microsoft.com/office/drawing/2010/main" xmlns:p14="http://schemas.microsoft.com/office/powerpoint/2010/main" w="9525">
                   <a:solidFill>
                     <a:srgbClr val="000000"/>
                   </a:solidFill>
@@ -39700,7 +39704,7 @@
             </a:ln>
             <a:extLst>
               <a:ext uri="{91240B29-F687-4f45-9708-019B960494DF}">
-                <a14:hiddenLine xmlns:p14="http://schemas.microsoft.com/office/powerpoint/2010/main" xmlns:a14="http://schemas.microsoft.com/office/drawing/2010/main" xmlns:a16="http://schemas.microsoft.com/office/drawing/2014/main" xmlns="" w="9525">
+                <a14:hiddenLine xmlns="" xmlns:a16="http://schemas.microsoft.com/office/drawing/2014/main" xmlns:a14="http://schemas.microsoft.com/office/drawing/2010/main" xmlns:p14="http://schemas.microsoft.com/office/powerpoint/2010/main" w="9525">
                   <a:solidFill>
                     <a:srgbClr val="000000"/>
                   </a:solidFill>
@@ -39749,7 +39753,7 @@
             </a:ln>
             <a:extLst>
               <a:ext uri="{91240B29-F687-4f45-9708-019B960494DF}">
-                <a14:hiddenLine xmlns:p14="http://schemas.microsoft.com/office/powerpoint/2010/main" xmlns:a14="http://schemas.microsoft.com/office/drawing/2010/main" xmlns:a16="http://schemas.microsoft.com/office/drawing/2014/main" xmlns="" w="9525">
+                <a14:hiddenLine xmlns="" xmlns:a16="http://schemas.microsoft.com/office/drawing/2014/main" xmlns:a14="http://schemas.microsoft.com/office/drawing/2010/main" xmlns:p14="http://schemas.microsoft.com/office/powerpoint/2010/main" w="9525">
                   <a:solidFill>
                     <a:srgbClr val="000000"/>
                   </a:solidFill>
@@ -39854,7 +39858,7 @@
             </a:ln>
             <a:extLst>
               <a:ext uri="{91240B29-F687-4f45-9708-019B960494DF}">
-                <a14:hiddenLine xmlns:p14="http://schemas.microsoft.com/office/powerpoint/2010/main" xmlns:a14="http://schemas.microsoft.com/office/drawing/2010/main" xmlns:a16="http://schemas.microsoft.com/office/drawing/2014/main" xmlns="" w="9525">
+                <a14:hiddenLine xmlns="" xmlns:a16="http://schemas.microsoft.com/office/drawing/2014/main" xmlns:a14="http://schemas.microsoft.com/office/drawing/2010/main" xmlns:p14="http://schemas.microsoft.com/office/powerpoint/2010/main" w="9525">
                   <a:solidFill>
                     <a:srgbClr val="000000"/>
                   </a:solidFill>
@@ -39931,7 +39935,7 @@
             </a:ln>
             <a:extLst>
               <a:ext uri="{91240B29-F687-4f45-9708-019B960494DF}">
-                <a14:hiddenLine xmlns:p14="http://schemas.microsoft.com/office/powerpoint/2010/main" xmlns:a14="http://schemas.microsoft.com/office/drawing/2010/main" xmlns:a16="http://schemas.microsoft.com/office/drawing/2014/main" xmlns="" w="9525">
+                <a14:hiddenLine xmlns="" xmlns:a16="http://schemas.microsoft.com/office/drawing/2014/main" xmlns:a14="http://schemas.microsoft.com/office/drawing/2010/main" xmlns:p14="http://schemas.microsoft.com/office/powerpoint/2010/main" w="9525">
                   <a:solidFill>
                     <a:srgbClr val="000000"/>
                   </a:solidFill>
@@ -40008,7 +40012,7 @@
             </a:ln>
             <a:extLst>
               <a:ext uri="{91240B29-F687-4f45-9708-019B960494DF}">
-                <a14:hiddenLine xmlns:p14="http://schemas.microsoft.com/office/powerpoint/2010/main" xmlns:a14="http://schemas.microsoft.com/office/drawing/2010/main" xmlns:a16="http://schemas.microsoft.com/office/drawing/2014/main" xmlns="" w="9525">
+                <a14:hiddenLine xmlns="" xmlns:a16="http://schemas.microsoft.com/office/drawing/2014/main" xmlns:a14="http://schemas.microsoft.com/office/drawing/2010/main" xmlns:p14="http://schemas.microsoft.com/office/powerpoint/2010/main" w="9525">
                   <a:solidFill>
                     <a:srgbClr val="000000"/>
                   </a:solidFill>
@@ -40113,7 +40117,7 @@
             </a:ln>
             <a:extLst>
               <a:ext uri="{91240B29-F687-4f45-9708-019B960494DF}">
-                <a14:hiddenLine xmlns:p14="http://schemas.microsoft.com/office/powerpoint/2010/main" xmlns:a14="http://schemas.microsoft.com/office/drawing/2010/main" xmlns:a16="http://schemas.microsoft.com/office/drawing/2014/main" xmlns="" w="9525">
+                <a14:hiddenLine xmlns="" xmlns:a16="http://schemas.microsoft.com/office/drawing/2014/main" xmlns:a14="http://schemas.microsoft.com/office/drawing/2010/main" xmlns:p14="http://schemas.microsoft.com/office/powerpoint/2010/main" w="9525">
                   <a:solidFill>
                     <a:srgbClr val="000000"/>
                   </a:solidFill>
@@ -40196,7 +40200,7 @@
             </a:ln>
             <a:extLst>
               <a:ext uri="{91240B29-F687-4f45-9708-019B960494DF}">
-                <a14:hiddenLine xmlns:p14="http://schemas.microsoft.com/office/powerpoint/2010/main" xmlns:a14="http://schemas.microsoft.com/office/drawing/2010/main" xmlns:a16="http://schemas.microsoft.com/office/drawing/2014/main" xmlns="" w="9525">
+                <a14:hiddenLine xmlns="" xmlns:a16="http://schemas.microsoft.com/office/drawing/2014/main" xmlns:a14="http://schemas.microsoft.com/office/drawing/2010/main" xmlns:p14="http://schemas.microsoft.com/office/powerpoint/2010/main" w="9525">
                   <a:solidFill>
                     <a:srgbClr val="000000"/>
                   </a:solidFill>
@@ -40273,7 +40277,7 @@
             </a:ln>
             <a:extLst>
               <a:ext uri="{91240B29-F687-4f45-9708-019B960494DF}">
-                <a14:hiddenLine xmlns:p14="http://schemas.microsoft.com/office/powerpoint/2010/main" xmlns:a14="http://schemas.microsoft.com/office/drawing/2010/main" xmlns:a16="http://schemas.microsoft.com/office/drawing/2014/main" xmlns="" w="9525">
+                <a14:hiddenLine xmlns="" xmlns:a16="http://schemas.microsoft.com/office/drawing/2014/main" xmlns:a14="http://schemas.microsoft.com/office/drawing/2010/main" xmlns:p14="http://schemas.microsoft.com/office/powerpoint/2010/main" w="9525">
                   <a:solidFill>
                     <a:srgbClr val="000000"/>
                   </a:solidFill>
@@ -40378,7 +40382,7 @@
             </a:ln>
             <a:extLst>
               <a:ext uri="{91240B29-F687-4f45-9708-019B960494DF}">
-                <a14:hiddenLine xmlns:p14="http://schemas.microsoft.com/office/powerpoint/2010/main" xmlns:a14="http://schemas.microsoft.com/office/drawing/2010/main" xmlns:a16="http://schemas.microsoft.com/office/drawing/2014/main" xmlns="" w="9525">
+                <a14:hiddenLine xmlns="" xmlns:a16="http://schemas.microsoft.com/office/drawing/2014/main" xmlns:a14="http://schemas.microsoft.com/office/drawing/2010/main" xmlns:p14="http://schemas.microsoft.com/office/powerpoint/2010/main" w="9525">
                   <a:solidFill>
                     <a:srgbClr val="000000"/>
                   </a:solidFill>
@@ -40455,7 +40459,7 @@
             </a:ln>
             <a:extLst>
               <a:ext uri="{91240B29-F687-4f45-9708-019B960494DF}">
-                <a14:hiddenLine xmlns:p14="http://schemas.microsoft.com/office/powerpoint/2010/main" xmlns:a14="http://schemas.microsoft.com/office/drawing/2010/main" xmlns:a16="http://schemas.microsoft.com/office/drawing/2014/main" xmlns="" w="9525">
+                <a14:hiddenLine xmlns="" xmlns:a16="http://schemas.microsoft.com/office/drawing/2014/main" xmlns:a14="http://schemas.microsoft.com/office/drawing/2010/main" xmlns:p14="http://schemas.microsoft.com/office/powerpoint/2010/main" w="9525">
                   <a:solidFill>
                     <a:srgbClr val="000000"/>
                   </a:solidFill>
@@ -40560,7 +40564,7 @@
             </a:ln>
             <a:extLst>
               <a:ext uri="{91240B29-F687-4f45-9708-019B960494DF}">
-                <a14:hiddenLine xmlns:p14="http://schemas.microsoft.com/office/powerpoint/2010/main" xmlns:a14="http://schemas.microsoft.com/office/drawing/2010/main" xmlns:a16="http://schemas.microsoft.com/office/drawing/2014/main" xmlns="" w="9525">
+                <a14:hiddenLine xmlns="" xmlns:a16="http://schemas.microsoft.com/office/drawing/2014/main" xmlns:a14="http://schemas.microsoft.com/office/drawing/2010/main" xmlns:p14="http://schemas.microsoft.com/office/powerpoint/2010/main" w="9525">
                   <a:solidFill>
                     <a:srgbClr val="000000"/>
                   </a:solidFill>
@@ -40637,7 +40641,7 @@
             </a:ln>
             <a:extLst>
               <a:ext uri="{91240B29-F687-4f45-9708-019B960494DF}">
-                <a14:hiddenLine xmlns:p14="http://schemas.microsoft.com/office/powerpoint/2010/main" xmlns:a14="http://schemas.microsoft.com/office/drawing/2010/main" xmlns:a16="http://schemas.microsoft.com/office/drawing/2014/main" xmlns="" w="9525">
+                <a14:hiddenLine xmlns="" xmlns:a16="http://schemas.microsoft.com/office/drawing/2014/main" xmlns:a14="http://schemas.microsoft.com/office/drawing/2010/main" xmlns:p14="http://schemas.microsoft.com/office/powerpoint/2010/main" w="9525">
                   <a:solidFill>
                     <a:srgbClr val="000000"/>
                   </a:solidFill>
@@ -40742,7 +40746,7 @@
             </a:ln>
             <a:extLst>
               <a:ext uri="{91240B29-F687-4f45-9708-019B960494DF}">
-                <a14:hiddenLine xmlns:p14="http://schemas.microsoft.com/office/powerpoint/2010/main" xmlns:a14="http://schemas.microsoft.com/office/drawing/2010/main" xmlns:a16="http://schemas.microsoft.com/office/drawing/2014/main" xmlns="" w="9525">
+                <a14:hiddenLine xmlns="" xmlns:a16="http://schemas.microsoft.com/office/drawing/2014/main" xmlns:a14="http://schemas.microsoft.com/office/drawing/2010/main" xmlns:p14="http://schemas.microsoft.com/office/powerpoint/2010/main" w="9525">
                   <a:solidFill>
                     <a:srgbClr val="000000"/>
                   </a:solidFill>
@@ -40791,7 +40795,7 @@
             </a:ln>
             <a:extLst>
               <a:ext uri="{91240B29-F687-4f45-9708-019B960494DF}">
-                <a14:hiddenLine xmlns:p14="http://schemas.microsoft.com/office/powerpoint/2010/main" xmlns:a14="http://schemas.microsoft.com/office/drawing/2010/main" xmlns:a16="http://schemas.microsoft.com/office/drawing/2014/main" xmlns="" w="9525">
+                <a14:hiddenLine xmlns="" xmlns:a16="http://schemas.microsoft.com/office/drawing/2014/main" xmlns:a14="http://schemas.microsoft.com/office/drawing/2010/main" xmlns:p14="http://schemas.microsoft.com/office/powerpoint/2010/main" w="9525">
                   <a:solidFill>
                     <a:srgbClr val="000000"/>
                   </a:solidFill>
@@ -40871,7 +40875,7 @@
             </a:ln>
             <a:extLst>
               <a:ext uri="{91240B29-F687-4f45-9708-019B960494DF}">
-                <a14:hiddenLine xmlns:p14="http://schemas.microsoft.com/office/powerpoint/2010/main" xmlns:a14="http://schemas.microsoft.com/office/drawing/2010/main" xmlns:a16="http://schemas.microsoft.com/office/drawing/2014/main" xmlns="" w="9525">
+                <a14:hiddenLine xmlns="" xmlns:a16="http://schemas.microsoft.com/office/drawing/2014/main" xmlns:a14="http://schemas.microsoft.com/office/drawing/2010/main" xmlns:p14="http://schemas.microsoft.com/office/powerpoint/2010/main" w="9525">
                   <a:solidFill>
                     <a:srgbClr val="000000"/>
                   </a:solidFill>
@@ -40976,7 +40980,7 @@
             </a:ln>
             <a:extLst>
               <a:ext uri="{91240B29-F687-4f45-9708-019B960494DF}">
-                <a14:hiddenLine xmlns:p14="http://schemas.microsoft.com/office/powerpoint/2010/main" xmlns:a14="http://schemas.microsoft.com/office/drawing/2010/main" xmlns:a16="http://schemas.microsoft.com/office/drawing/2014/main" xmlns="" w="9525">
+                <a14:hiddenLine xmlns="" xmlns:a16="http://schemas.microsoft.com/office/drawing/2014/main" xmlns:a14="http://schemas.microsoft.com/office/drawing/2010/main" xmlns:p14="http://schemas.microsoft.com/office/powerpoint/2010/main" w="9525">
                   <a:solidFill>
                     <a:srgbClr val="000000"/>
                   </a:solidFill>
@@ -41053,7 +41057,7 @@
             </a:ln>
             <a:extLst>
               <a:ext uri="{91240B29-F687-4f45-9708-019B960494DF}">
-                <a14:hiddenLine xmlns:p14="http://schemas.microsoft.com/office/powerpoint/2010/main" xmlns:a14="http://schemas.microsoft.com/office/drawing/2010/main" xmlns:a16="http://schemas.microsoft.com/office/drawing/2014/main" xmlns="" w="9525">
+                <a14:hiddenLine xmlns="" xmlns:a16="http://schemas.microsoft.com/office/drawing/2014/main" xmlns:a14="http://schemas.microsoft.com/office/drawing/2010/main" xmlns:p14="http://schemas.microsoft.com/office/powerpoint/2010/main" w="9525">
                   <a:solidFill>
                     <a:srgbClr val="000000"/>
                   </a:solidFill>
@@ -41158,7 +41162,7 @@
             </a:ln>
             <a:extLst>
               <a:ext uri="{91240B29-F687-4f45-9708-019B960494DF}">
-                <a14:hiddenLine xmlns:p14="http://schemas.microsoft.com/office/powerpoint/2010/main" xmlns:a14="http://schemas.microsoft.com/office/drawing/2010/main" xmlns:a16="http://schemas.microsoft.com/office/drawing/2014/main" xmlns="" w="9525">
+                <a14:hiddenLine xmlns="" xmlns:a16="http://schemas.microsoft.com/office/drawing/2014/main" xmlns:a14="http://schemas.microsoft.com/office/drawing/2010/main" xmlns:p14="http://schemas.microsoft.com/office/powerpoint/2010/main" w="9525">
                   <a:solidFill>
                     <a:srgbClr val="000000"/>
                   </a:solidFill>
@@ -41263,7 +41267,7 @@
             </a:ln>
             <a:extLst>
               <a:ext uri="{91240B29-F687-4f45-9708-019B960494DF}">
-                <a14:hiddenLine xmlns:p14="http://schemas.microsoft.com/office/powerpoint/2010/main" xmlns:a14="http://schemas.microsoft.com/office/drawing/2010/main" xmlns:a16="http://schemas.microsoft.com/office/drawing/2014/main" xmlns="" w="9525">
+                <a14:hiddenLine xmlns="" xmlns:a16="http://schemas.microsoft.com/office/drawing/2014/main" xmlns:a14="http://schemas.microsoft.com/office/drawing/2010/main" xmlns:p14="http://schemas.microsoft.com/office/powerpoint/2010/main" w="9525">
                   <a:solidFill>
                     <a:srgbClr val="000000"/>
                   </a:solidFill>
@@ -41343,7 +41347,7 @@
             </a:ln>
             <a:extLst>
               <a:ext uri="{91240B29-F687-4f45-9708-019B960494DF}">
-                <a14:hiddenLine xmlns:p14="http://schemas.microsoft.com/office/powerpoint/2010/main" xmlns:a14="http://schemas.microsoft.com/office/drawing/2010/main" xmlns:a16="http://schemas.microsoft.com/office/drawing/2014/main" xmlns="" w="9525">
+                <a14:hiddenLine xmlns="" xmlns:a16="http://schemas.microsoft.com/office/drawing/2014/main" xmlns:a14="http://schemas.microsoft.com/office/drawing/2010/main" xmlns:p14="http://schemas.microsoft.com/office/powerpoint/2010/main" w="9525">
                   <a:solidFill>
                     <a:srgbClr val="000000"/>
                   </a:solidFill>
@@ -41420,7 +41424,7 @@
             </a:ln>
             <a:extLst>
               <a:ext uri="{91240B29-F687-4f45-9708-019B960494DF}">
-                <a14:hiddenLine xmlns:p14="http://schemas.microsoft.com/office/powerpoint/2010/main" xmlns:a14="http://schemas.microsoft.com/office/drawing/2010/main" xmlns:a16="http://schemas.microsoft.com/office/drawing/2014/main" xmlns="" w="9525">
+                <a14:hiddenLine xmlns="" xmlns:a16="http://schemas.microsoft.com/office/drawing/2014/main" xmlns:a14="http://schemas.microsoft.com/office/drawing/2010/main" xmlns:p14="http://schemas.microsoft.com/office/powerpoint/2010/main" w="9525">
                   <a:solidFill>
                     <a:srgbClr val="000000"/>
                   </a:solidFill>
@@ -41525,7 +41529,7 @@
             </a:ln>
             <a:extLst>
               <a:ext uri="{91240B29-F687-4f45-9708-019B960494DF}">
-                <a14:hiddenLine xmlns:p14="http://schemas.microsoft.com/office/powerpoint/2010/main" xmlns:a14="http://schemas.microsoft.com/office/drawing/2010/main" xmlns:a16="http://schemas.microsoft.com/office/drawing/2014/main" xmlns="" w="9525">
+                <a14:hiddenLine xmlns="" xmlns:a16="http://schemas.microsoft.com/office/drawing/2014/main" xmlns:a14="http://schemas.microsoft.com/office/drawing/2010/main" xmlns:p14="http://schemas.microsoft.com/office/powerpoint/2010/main" w="9525">
                   <a:solidFill>
                     <a:srgbClr val="000000"/>
                   </a:solidFill>
@@ -41630,7 +41634,7 @@
             </a:ln>
             <a:extLst>
               <a:ext uri="{91240B29-F687-4f45-9708-019B960494DF}">
-                <a14:hiddenLine xmlns:p14="http://schemas.microsoft.com/office/powerpoint/2010/main" xmlns:a14="http://schemas.microsoft.com/office/drawing/2010/main" xmlns:a16="http://schemas.microsoft.com/office/drawing/2014/main" xmlns="" w="9525">
+                <a14:hiddenLine xmlns="" xmlns:a16="http://schemas.microsoft.com/office/drawing/2014/main" xmlns:a14="http://schemas.microsoft.com/office/drawing/2010/main" xmlns:p14="http://schemas.microsoft.com/office/powerpoint/2010/main" w="9525">
                   <a:solidFill>
                     <a:srgbClr val="000000"/>
                   </a:solidFill>
@@ -41707,7 +41711,7 @@
             </a:ln>
             <a:extLst>
               <a:ext uri="{91240B29-F687-4f45-9708-019B960494DF}">
-                <a14:hiddenLine xmlns:p14="http://schemas.microsoft.com/office/powerpoint/2010/main" xmlns:a14="http://schemas.microsoft.com/office/drawing/2010/main" xmlns:a16="http://schemas.microsoft.com/office/drawing/2014/main" xmlns="" w="9525">
+                <a14:hiddenLine xmlns="" xmlns:a16="http://schemas.microsoft.com/office/drawing/2014/main" xmlns:a14="http://schemas.microsoft.com/office/drawing/2010/main" xmlns:p14="http://schemas.microsoft.com/office/powerpoint/2010/main" w="9525">
                   <a:solidFill>
                     <a:srgbClr val="000000"/>
                   </a:solidFill>
@@ -41842,7 +41846,7 @@
             </a:ln>
             <a:extLst>
               <a:ext uri="{91240B29-F687-4f45-9708-019B960494DF}">
-                <a14:hiddenLine xmlns:p14="http://schemas.microsoft.com/office/powerpoint/2010/main" xmlns:a14="http://schemas.microsoft.com/office/drawing/2010/main" xmlns:a16="http://schemas.microsoft.com/office/drawing/2014/main" xmlns="" w="9525">
+                <a14:hiddenLine xmlns="" xmlns:a16="http://schemas.microsoft.com/office/drawing/2014/main" xmlns:a14="http://schemas.microsoft.com/office/drawing/2010/main" xmlns:p14="http://schemas.microsoft.com/office/powerpoint/2010/main" w="9525">
                   <a:solidFill>
                     <a:srgbClr val="000000"/>
                   </a:solidFill>
@@ -41925,7 +41929,7 @@
             </a:ln>
             <a:extLst>
               <a:ext uri="{91240B29-F687-4f45-9708-019B960494DF}">
-                <a14:hiddenLine xmlns:p14="http://schemas.microsoft.com/office/powerpoint/2010/main" xmlns:a14="http://schemas.microsoft.com/office/drawing/2010/main" xmlns:a16="http://schemas.microsoft.com/office/drawing/2014/main" xmlns="" w="9525">
+                <a14:hiddenLine xmlns="" xmlns:a16="http://schemas.microsoft.com/office/drawing/2014/main" xmlns:a14="http://schemas.microsoft.com/office/drawing/2010/main" xmlns:p14="http://schemas.microsoft.com/office/powerpoint/2010/main" w="9525">
                   <a:solidFill>
                     <a:srgbClr val="000000"/>
                   </a:solidFill>
@@ -42030,7 +42034,7 @@
             </a:ln>
             <a:extLst>
               <a:ext uri="{91240B29-F687-4f45-9708-019B960494DF}">
-                <a14:hiddenLine xmlns:p14="http://schemas.microsoft.com/office/powerpoint/2010/main" xmlns:a14="http://schemas.microsoft.com/office/drawing/2010/main" xmlns:a16="http://schemas.microsoft.com/office/drawing/2014/main" xmlns="" w="9525">
+                <a14:hiddenLine xmlns="" xmlns:a16="http://schemas.microsoft.com/office/drawing/2014/main" xmlns:a14="http://schemas.microsoft.com/office/drawing/2010/main" xmlns:p14="http://schemas.microsoft.com/office/powerpoint/2010/main" w="9525">
                   <a:solidFill>
                     <a:srgbClr val="000000"/>
                   </a:solidFill>
@@ -42187,7 +42191,7 @@
             <a:noFill/>
             <a:extLst>
               <a:ext uri="{909E8E84-426E-40dd-AFC4-6F175D3DCCD1}">
-                <a14:hiddenFill xmlns:p14="http://schemas.microsoft.com/office/powerpoint/2010/main" xmlns:a14="http://schemas.microsoft.com/office/drawing/2010/main" xmlns:a16="http://schemas.microsoft.com/office/drawing/2014/main" xmlns="">
+                <a14:hiddenFill xmlns="" xmlns:a16="http://schemas.microsoft.com/office/drawing/2014/main" xmlns:a14="http://schemas.microsoft.com/office/drawing/2010/main" xmlns:p14="http://schemas.microsoft.com/office/powerpoint/2010/main">
                   <a:solidFill>
                     <a:srgbClr val="FFFFFF"/>
                   </a:solidFill>
